--- a/Presentation/Car Parking Assistant.pptx
+++ b/Presentation/Car Parking Assistant.pptx
@@ -8,6 +8,8 @@
     <p:sldId id="256" r:id="rId2"/>
     <p:sldId id="257" r:id="rId3"/>
     <p:sldId id="258" r:id="rId4"/>
+    <p:sldId id="259" r:id="rId5"/>
+    <p:sldId id="260" r:id="rId6"/>
   </p:sldIdLst>
   <p:sldSz cx="12192000" cy="6858000"/>
   <p:notesSz cx="6858000" cy="9144000"/>
@@ -106,7 +108,16 @@
       </a:defRPr>
     </a:lvl9pPr>
   </p:defaultTextStyle>
+  <p:extLst>
+    <p:ext uri="{EFAFB233-063F-42B5-8137-9DF3F51BA10A}">
+      <p15:sldGuideLst xmlns:p15="http://schemas.microsoft.com/office/powerpoint/2012/main"/>
+    </p:ext>
+  </p:extLst>
 </p:presentation>
+</file>
+
+<file path=ppt/revisionInfo.xml><?xml version="1.0" encoding="utf-8"?>
+<p1510:revInfo xmlns:a="http://schemas.openxmlformats.org/drawingml/2006/main" xmlns:r="http://schemas.openxmlformats.org/officeDocument/2006/relationships" xmlns:p1510="http://schemas.microsoft.com/office/powerpoint/2015/10/main"/>
 </file>
 
 <file path=ppt/slideLayouts/slideLayout1.xml><?xml version="1.0" encoding="utf-8"?>
@@ -3475,6 +3486,26 @@
             </a:r>
           </a:p>
           <a:p>
+            <a:r>
+              <a:rPr lang="cs-CZ" dirty="0"/>
+              <a:t>Pro </a:t>
+            </a:r>
+            <a:r>
+              <a:rPr lang="cs-CZ" dirty="0" err="1"/>
+              <a:t>developra</a:t>
+            </a:r>
+            <a:r>
+              <a:rPr lang="cs-CZ" dirty="0"/>
+              <a:t> – spokojený zákazník </a:t>
+            </a:r>
+          </a:p>
+          <a:p>
+            <a:r>
+              <a:rPr lang="cs-CZ" dirty="0"/>
+              <a:t>Pro zákazníka – rychle zaparkuje</a:t>
+            </a:r>
+          </a:p>
+          <a:p>
             <a:endParaRPr lang="cs-CZ" dirty="0"/>
           </a:p>
         </p:txBody>
@@ -3589,9 +3620,30 @@
               <a:t> </a:t>
             </a:r>
             <a:r>
-              <a:rPr lang="cs-CZ"/>
+              <a:rPr lang="cs-CZ" dirty="0" err="1"/>
               <a:t>Connection</a:t>
             </a:r>
+            <a:endParaRPr lang="cs-CZ" dirty="0"/>
+          </a:p>
+          <a:p>
+            <a:r>
+              <a:rPr lang="cs-CZ" dirty="0"/>
+              <a:t>GPS</a:t>
+            </a:r>
+          </a:p>
+          <a:p>
+            <a:r>
+              <a:rPr lang="cs-CZ" dirty="0"/>
+              <a:t>QR – </a:t>
+            </a:r>
+            <a:r>
+              <a:rPr lang="cs-CZ" dirty="0" err="1"/>
+              <a:t>code</a:t>
+            </a:r>
+            <a:endParaRPr lang="cs-CZ" dirty="0"/>
+          </a:p>
+          <a:p>
+            <a:endParaRPr lang="cs-CZ" dirty="0"/>
           </a:p>
         </p:txBody>
       </p:sp>
@@ -3599,6 +3651,217 @@
     <p:extLst>
       <p:ext uri="{BB962C8B-B14F-4D97-AF65-F5344CB8AC3E}">
         <p14:creationId xmlns:p14="http://schemas.microsoft.com/office/powerpoint/2010/main" val="1627227358"/>
+      </p:ext>
+    </p:extLst>
+  </p:cSld>
+  <p:clrMapOvr>
+    <a:masterClrMapping/>
+  </p:clrMapOvr>
+</p:sld>
+</file>
+
+<file path=ppt/slides/slide4.xml><?xml version="1.0" encoding="utf-8"?>
+<p:sld xmlns:a="http://schemas.openxmlformats.org/drawingml/2006/main" xmlns:r="http://schemas.openxmlformats.org/officeDocument/2006/relationships" xmlns:p="http://schemas.openxmlformats.org/presentationml/2006/main">
+  <p:cSld>
+    <p:spTree>
+      <p:nvGrpSpPr>
+        <p:cNvPr id="1" name=""/>
+        <p:cNvGrpSpPr/>
+        <p:nvPr/>
+      </p:nvGrpSpPr>
+      <p:grpSpPr>
+        <a:xfrm>
+          <a:off x="0" y="0"/>
+          <a:ext cx="0" cy="0"/>
+          <a:chOff x="0" y="0"/>
+          <a:chExt cx="0" cy="0"/>
+        </a:xfrm>
+      </p:grpSpPr>
+      <p:sp>
+        <p:nvSpPr>
+          <p:cNvPr id="2" name="Nadpis 1">
+            <a:extLst>
+              <a:ext uri="{FF2B5EF4-FFF2-40B4-BE49-F238E27FC236}">
+                <a16:creationId xmlns:a16="http://schemas.microsoft.com/office/drawing/2014/main" id="{6DB920DD-E802-4C20-8D4D-53F0D268AC6B}"/>
+              </a:ext>
+            </a:extLst>
+          </p:cNvPr>
+          <p:cNvSpPr>
+            <a:spLocks noGrp="1"/>
+          </p:cNvSpPr>
+          <p:nvPr>
+            <p:ph type="title"/>
+          </p:nvPr>
+        </p:nvSpPr>
+        <p:spPr/>
+        <p:txBody>
+          <a:bodyPr/>
+          <a:lstStyle/>
+          <a:p>
+            <a:r>
+              <a:rPr lang="cs-CZ" dirty="0"/>
+              <a:t>Navigace pomocí QR - kódu</a:t>
+            </a:r>
+          </a:p>
+        </p:txBody>
+      </p:sp>
+      <p:pic>
+        <p:nvPicPr>
+          <p:cNvPr id="1026" name="Picture 2" descr="Výsledek obrázku pro navigation QR code">
+            <a:extLst>
+              <a:ext uri="{FF2B5EF4-FFF2-40B4-BE49-F238E27FC236}">
+                <a16:creationId xmlns:a16="http://schemas.microsoft.com/office/drawing/2014/main" id="{7F2C70DC-295E-4850-807F-68587F63A742}"/>
+              </a:ext>
+            </a:extLst>
+          </p:cNvPr>
+          <p:cNvPicPr>
+            <a:picLocks noGrp="1" noChangeAspect="1" noChangeArrowheads="1"/>
+          </p:cNvPicPr>
+          <p:nvPr>
+            <p:ph idx="1"/>
+          </p:nvPr>
+        </p:nvPicPr>
+        <p:blipFill>
+          <a:blip r:embed="rId2">
+            <a:extLst>
+              <a:ext uri="{28A0092B-C50C-407E-A947-70E740481C1C}">
+                <a14:useLocalDpi xmlns:a14="http://schemas.microsoft.com/office/drawing/2010/main" val="0"/>
+              </a:ext>
+            </a:extLst>
+          </a:blip>
+          <a:srcRect/>
+          <a:stretch>
+            <a:fillRect/>
+          </a:stretch>
+        </p:blipFill>
+        <p:spPr bwMode="auto">
+          <a:xfrm>
+            <a:off x="5095875" y="2858294"/>
+            <a:ext cx="2000250" cy="2286000"/>
+          </a:xfrm>
+          <a:prstGeom prst="rect">
+            <a:avLst/>
+          </a:prstGeom>
+          <a:noFill/>
+          <a:extLst>
+            <a:ext uri="{909E8E84-426E-40DD-AFC4-6F175D3DCCD1}">
+              <a14:hiddenFill xmlns:a14="http://schemas.microsoft.com/office/drawing/2010/main">
+                <a:solidFill>
+                  <a:srgbClr val="FFFFFF"/>
+                </a:solidFill>
+              </a14:hiddenFill>
+            </a:ext>
+          </a:extLst>
+        </p:spPr>
+      </p:pic>
+    </p:spTree>
+    <p:extLst>
+      <p:ext uri="{BB962C8B-B14F-4D97-AF65-F5344CB8AC3E}">
+        <p14:creationId xmlns:p14="http://schemas.microsoft.com/office/powerpoint/2010/main" val="3364815332"/>
+      </p:ext>
+    </p:extLst>
+  </p:cSld>
+  <p:clrMapOvr>
+    <a:masterClrMapping/>
+  </p:clrMapOvr>
+</p:sld>
+</file>
+
+<file path=ppt/slides/slide5.xml><?xml version="1.0" encoding="utf-8"?>
+<p:sld xmlns:a="http://schemas.openxmlformats.org/drawingml/2006/main" xmlns:r="http://schemas.openxmlformats.org/officeDocument/2006/relationships" xmlns:p="http://schemas.openxmlformats.org/presentationml/2006/main">
+  <p:cSld>
+    <p:spTree>
+      <p:nvGrpSpPr>
+        <p:cNvPr id="1" name=""/>
+        <p:cNvGrpSpPr/>
+        <p:nvPr/>
+      </p:nvGrpSpPr>
+      <p:grpSpPr>
+        <a:xfrm>
+          <a:off x="0" y="0"/>
+          <a:ext cx="0" cy="0"/>
+          <a:chOff x="0" y="0"/>
+          <a:chExt cx="0" cy="0"/>
+        </a:xfrm>
+      </p:grpSpPr>
+      <p:sp>
+        <p:nvSpPr>
+          <p:cNvPr id="2" name="Nadpis 1">
+            <a:extLst>
+              <a:ext uri="{FF2B5EF4-FFF2-40B4-BE49-F238E27FC236}">
+                <a16:creationId xmlns:a16="http://schemas.microsoft.com/office/drawing/2014/main" id="{839DFA00-5F7D-4680-B542-83E04D838E94}"/>
+              </a:ext>
+            </a:extLst>
+          </p:cNvPr>
+          <p:cNvSpPr>
+            <a:spLocks noGrp="1"/>
+          </p:cNvSpPr>
+          <p:nvPr>
+            <p:ph type="title"/>
+          </p:nvPr>
+        </p:nvSpPr>
+        <p:spPr/>
+        <p:txBody>
+          <a:bodyPr/>
+          <a:lstStyle/>
+          <a:p>
+            <a:r>
+              <a:rPr lang="cs-CZ" dirty="0"/>
+              <a:t>Postup</a:t>
+            </a:r>
+          </a:p>
+        </p:txBody>
+      </p:sp>
+      <p:sp>
+        <p:nvSpPr>
+          <p:cNvPr id="3" name="Zástupný symbol pro obsah 2">
+            <a:extLst>
+              <a:ext uri="{FF2B5EF4-FFF2-40B4-BE49-F238E27FC236}">
+                <a16:creationId xmlns:a16="http://schemas.microsoft.com/office/drawing/2014/main" id="{350EB1B3-5258-46E3-BA38-8AA94C2F14C4}"/>
+              </a:ext>
+            </a:extLst>
+          </p:cNvPr>
+          <p:cNvSpPr>
+            <a:spLocks noGrp="1"/>
+          </p:cNvSpPr>
+          <p:nvPr>
+            <p:ph idx="1"/>
+          </p:nvPr>
+        </p:nvSpPr>
+        <p:spPr/>
+        <p:txBody>
+          <a:bodyPr/>
+          <a:lstStyle/>
+          <a:p>
+            <a:r>
+              <a:rPr lang="cs-CZ" dirty="0"/>
+              <a:t>Návštěvník přijede autem k bráně</a:t>
+            </a:r>
+          </a:p>
+          <a:p>
+            <a:r>
+              <a:rPr lang="cs-CZ" dirty="0"/>
+              <a:t>Stiskne tlačítko pro parkovací lístek</a:t>
+            </a:r>
+          </a:p>
+          <a:p>
+            <a:r>
+              <a:rPr lang="cs-CZ" dirty="0"/>
+              <a:t>Na display se zobrazí QR-kód s GPS souřadnicemi volného parkovacího místa</a:t>
+            </a:r>
+          </a:p>
+          <a:p>
+            <a:r>
+              <a:rPr lang="cs-CZ" dirty="0"/>
+              <a:t>Návštěvník sejme QR-kód mobilním telefonem a ten spustí navigaci na volné parkovací místo</a:t>
+            </a:r>
+          </a:p>
+        </p:txBody>
+      </p:sp>
+    </p:spTree>
+    <p:extLst>
+      <p:ext uri="{BB962C8B-B14F-4D97-AF65-F5344CB8AC3E}">
+        <p14:creationId xmlns:p14="http://schemas.microsoft.com/office/powerpoint/2010/main" val="3937570610"/>
       </p:ext>
     </p:extLst>
   </p:cSld>

--- a/Presentation/Car Parking Assistant.pptx
+++ b/Presentation/Car Parking Assistant.pptx
@@ -6,10 +6,14 @@
   </p:sldMasterIdLst>
   <p:sldIdLst>
     <p:sldId id="256" r:id="rId2"/>
-    <p:sldId id="257" r:id="rId3"/>
-    <p:sldId id="258" r:id="rId4"/>
+    <p:sldId id="262" r:id="rId3"/>
+    <p:sldId id="263" r:id="rId4"/>
     <p:sldId id="259" r:id="rId5"/>
-    <p:sldId id="260" r:id="rId6"/>
+    <p:sldId id="264" r:id="rId6"/>
+    <p:sldId id="257" r:id="rId7"/>
+    <p:sldId id="258" r:id="rId8"/>
+    <p:sldId id="260" r:id="rId9"/>
+    <p:sldId id="261" r:id="rId10"/>
   </p:sldIdLst>
   <p:sldSz cx="12192000" cy="6858000"/>
   <p:notesSz cx="6858000" cy="9144000"/>
@@ -3393,6 +3397,9 @@
               <a:t>CPA</a:t>
             </a:r>
           </a:p>
+          <a:p>
+            <a:endParaRPr lang="cs-CZ" dirty="0"/>
+          </a:p>
         </p:txBody>
       </p:sp>
     </p:spTree>
@@ -3430,7 +3437,7 @@
           <p:cNvPr id="2" name="Nadpis 1">
             <a:extLst>
               <a:ext uri="{FF2B5EF4-FFF2-40B4-BE49-F238E27FC236}">
-                <a16:creationId xmlns:a16="http://schemas.microsoft.com/office/drawing/2014/main" id="{5725836F-814F-4131-8809-E84B569C68B5}"/>
+                <a16:creationId xmlns:a16="http://schemas.microsoft.com/office/drawing/2014/main" id="{6EC0B17D-7BF6-49DA-8F8A-2F655FA38E5D}"/>
               </a:ext>
             </a:extLst>
           </p:cNvPr>
@@ -3447,8 +3454,76 @@
           <a:lstStyle/>
           <a:p>
             <a:r>
-              <a:rPr lang="cs-CZ" dirty="0"/>
-              <a:t>Přínos</a:t>
+              <a:rPr lang="cs-CZ" dirty="0" err="1"/>
+              <a:t>You</a:t>
+            </a:r>
+            <a:r>
+              <a:rPr lang="cs-CZ" dirty="0"/>
+              <a:t> </a:t>
+            </a:r>
+            <a:r>
+              <a:rPr lang="cs-CZ" dirty="0" err="1"/>
+              <a:t>know</a:t>
+            </a:r>
+            <a:r>
+              <a:rPr lang="cs-CZ" dirty="0"/>
+              <a:t> – </a:t>
+            </a:r>
+            <a:r>
+              <a:rPr lang="cs-CZ" dirty="0" err="1"/>
+              <a:t>how</a:t>
+            </a:r>
+            <a:r>
+              <a:rPr lang="cs-CZ" dirty="0"/>
+              <a:t> </a:t>
+            </a:r>
+            <a:r>
+              <a:rPr lang="cs-CZ" dirty="0" err="1"/>
+              <a:t>difficult</a:t>
+            </a:r>
+            <a:r>
+              <a:rPr lang="cs-CZ" dirty="0"/>
+              <a:t> </a:t>
+            </a:r>
+            <a:r>
+              <a:rPr lang="cs-CZ" dirty="0" err="1"/>
+              <a:t>it</a:t>
+            </a:r>
+            <a:r>
+              <a:rPr lang="cs-CZ" dirty="0"/>
+              <a:t> </a:t>
+            </a:r>
+            <a:r>
+              <a:rPr lang="cs-CZ" dirty="0" err="1"/>
+              <a:t>is</a:t>
+            </a:r>
+            <a:r>
+              <a:rPr lang="cs-CZ" dirty="0"/>
+              <a:t> to </a:t>
+            </a:r>
+            <a:r>
+              <a:rPr lang="cs-CZ" dirty="0" err="1"/>
+              <a:t>find</a:t>
+            </a:r>
+            <a:r>
+              <a:rPr lang="cs-CZ" dirty="0"/>
+              <a:t> </a:t>
+            </a:r>
+            <a:r>
+              <a:rPr lang="cs-CZ" dirty="0" err="1"/>
+              <a:t>an</a:t>
+            </a:r>
+            <a:r>
+              <a:rPr lang="cs-CZ" dirty="0"/>
+              <a:t> </a:t>
+            </a:r>
+            <a:r>
+              <a:rPr lang="cs-CZ" dirty="0" err="1"/>
+              <a:t>empty</a:t>
+            </a:r>
+            <a:r>
+              <a:rPr lang="cs-CZ" dirty="0"/>
+              <a:t> parking place</a:t>
             </a:r>
           </a:p>
         </p:txBody>
@@ -3458,7 +3533,7 @@
           <p:cNvPr id="3" name="Zástupný symbol pro obsah 2">
             <a:extLst>
               <a:ext uri="{FF2B5EF4-FFF2-40B4-BE49-F238E27FC236}">
-                <a16:creationId xmlns:a16="http://schemas.microsoft.com/office/drawing/2014/main" id="{EB4DA9ED-FBAF-4C37-8CDB-2D11AE52D4E0}"/>
+                <a16:creationId xmlns:a16="http://schemas.microsoft.com/office/drawing/2014/main" id="{71911233-FB5E-403A-8620-9CB4BB374966}"/>
               </a:ext>
             </a:extLst>
           </p:cNvPr>
@@ -3475,45 +3550,122 @@
           <a:lstStyle/>
           <a:p>
             <a:r>
-              <a:rPr lang="cs-CZ" dirty="0"/>
-              <a:t>Ekologie – snížení emisí v parkovacích domech</a:t>
-            </a:r>
-          </a:p>
-          <a:p>
-            <a:r>
-              <a:rPr lang="cs-CZ" dirty="0"/>
-              <a:t>UX pro návštěvníky parkoviště</a:t>
-            </a:r>
-          </a:p>
-          <a:p>
-            <a:r>
-              <a:rPr lang="cs-CZ" dirty="0"/>
-              <a:t>Pro </a:t>
-            </a:r>
-            <a:r>
               <a:rPr lang="cs-CZ" dirty="0" err="1"/>
-              <a:t>developra</a:t>
-            </a:r>
-            <a:r>
-              <a:rPr lang="cs-CZ" dirty="0"/>
-              <a:t> – spokojený zákazník </a:t>
-            </a:r>
-          </a:p>
-          <a:p>
-            <a:r>
-              <a:rPr lang="cs-CZ" dirty="0"/>
-              <a:t>Pro zákazníka – rychle zaparkuje</a:t>
-            </a:r>
-          </a:p>
-          <a:p>
+              <a:t>Christmas</a:t>
+            </a:r>
+            <a:r>
+              <a:rPr lang="cs-CZ" dirty="0"/>
+              <a:t>, Black </a:t>
+            </a:r>
+            <a:r>
+              <a:rPr lang="cs-CZ" dirty="0" err="1"/>
+              <a:t>Friday</a:t>
+            </a:r>
+            <a:r>
+              <a:rPr lang="cs-CZ" dirty="0"/>
+              <a:t>, </a:t>
+            </a:r>
+            <a:r>
+              <a:rPr lang="cs-CZ" dirty="0" err="1"/>
+              <a:t>Valentines</a:t>
+            </a:r>
+            <a:r>
+              <a:rPr lang="cs-CZ" dirty="0"/>
+              <a:t> </a:t>
+            </a:r>
+            <a:r>
+              <a:rPr lang="cs-CZ" dirty="0" err="1"/>
+              <a:t>day</a:t>
+            </a:r>
             <a:endParaRPr lang="cs-CZ" dirty="0"/>
           </a:p>
-        </p:txBody>
-      </p:sp>
+          <a:p>
+            <a:endParaRPr lang="cs-CZ" dirty="0"/>
+          </a:p>
+        </p:txBody>
+      </p:sp>
+      <p:pic>
+        <p:nvPicPr>
+          <p:cNvPr id="5" name="Obrázek 4">
+            <a:extLst>
+              <a:ext uri="{FF2B5EF4-FFF2-40B4-BE49-F238E27FC236}">
+                <a16:creationId xmlns:a16="http://schemas.microsoft.com/office/drawing/2014/main" id="{7EECF906-3051-4E8A-8F7E-655808173FC3}"/>
+              </a:ext>
+            </a:extLst>
+          </p:cNvPr>
+          <p:cNvPicPr>
+            <a:picLocks noChangeAspect="1"/>
+          </p:cNvPicPr>
+          <p:nvPr/>
+        </p:nvPicPr>
+        <p:blipFill>
+          <a:blip r:embed="rId2">
+            <a:extLst>
+              <a:ext uri="{28A0092B-C50C-407E-A947-70E740481C1C}">
+                <a14:useLocalDpi xmlns:a14="http://schemas.microsoft.com/office/drawing/2010/main" val="0"/>
+              </a:ext>
+              <a:ext uri="{837473B0-CC2E-450A-ABE3-18F120FF3D39}">
+                <a1611:picAttrSrcUrl xmlns:a1611="http://schemas.microsoft.com/office/drawing/2016/11/main" r:id="rId3"/>
+              </a:ext>
+            </a:extLst>
+          </a:blip>
+          <a:stretch>
+            <a:fillRect/>
+          </a:stretch>
+        </p:blipFill>
+        <p:spPr>
+          <a:xfrm>
+            <a:off x="6509783" y="2718611"/>
+            <a:ext cx="4191001" cy="3143251"/>
+          </a:xfrm>
+          <a:prstGeom prst="rect">
+            <a:avLst/>
+          </a:prstGeom>
+        </p:spPr>
+      </p:pic>
+      <p:pic>
+        <p:nvPicPr>
+          <p:cNvPr id="6" name="Zástupný symbol pro obsah 4">
+            <a:extLst>
+              <a:ext uri="{FF2B5EF4-FFF2-40B4-BE49-F238E27FC236}">
+                <a16:creationId xmlns:a16="http://schemas.microsoft.com/office/drawing/2014/main" id="{81468987-9F40-4C05-95D4-A4117CBCD829}"/>
+              </a:ext>
+            </a:extLst>
+          </p:cNvPr>
+          <p:cNvPicPr>
+            <a:picLocks noChangeAspect="1"/>
+          </p:cNvPicPr>
+          <p:nvPr/>
+        </p:nvPicPr>
+        <p:blipFill>
+          <a:blip r:embed="rId4">
+            <a:extLst>
+              <a:ext uri="{28A0092B-C50C-407E-A947-70E740481C1C}">
+                <a14:useLocalDpi xmlns:a14="http://schemas.microsoft.com/office/drawing/2010/main" val="0"/>
+              </a:ext>
+              <a:ext uri="{837473B0-CC2E-450A-ABE3-18F120FF3D39}">
+                <a1611:picAttrSrcUrl xmlns:a1611="http://schemas.microsoft.com/office/drawing/2016/11/main" r:id="rId5"/>
+              </a:ext>
+            </a:extLst>
+          </a:blip>
+          <a:stretch>
+            <a:fillRect/>
+          </a:stretch>
+        </p:blipFill>
+        <p:spPr>
+          <a:xfrm>
+            <a:off x="1075659" y="2718613"/>
+            <a:ext cx="4149505" cy="3143250"/>
+          </a:xfrm>
+          <a:prstGeom prst="rect">
+            <a:avLst/>
+          </a:prstGeom>
+        </p:spPr>
+      </p:pic>
     </p:spTree>
     <p:extLst>
       <p:ext uri="{BB962C8B-B14F-4D97-AF65-F5344CB8AC3E}">
-        <p14:creationId xmlns:p14="http://schemas.microsoft.com/office/powerpoint/2010/main" val="402809595"/>
+        <p14:creationId xmlns:p14="http://schemas.microsoft.com/office/powerpoint/2010/main" val="3859297168"/>
       </p:ext>
     </p:extLst>
   </p:cSld>
@@ -3545,7 +3697,7 @@
           <p:cNvPr id="2" name="Nadpis 1">
             <a:extLst>
               <a:ext uri="{FF2B5EF4-FFF2-40B4-BE49-F238E27FC236}">
-                <a16:creationId xmlns:a16="http://schemas.microsoft.com/office/drawing/2014/main" id="{0AE494C8-650E-4005-8BD0-90DB76A66AA5}"/>
+                <a16:creationId xmlns:a16="http://schemas.microsoft.com/office/drawing/2014/main" id="{585D3E09-FC86-4D70-9DB2-BEFD78D8BEF8}"/>
               </a:ext>
             </a:extLst>
           </p:cNvPr>
@@ -3562,95 +3714,68 @@
           <a:lstStyle/>
           <a:p>
             <a:r>
-              <a:rPr lang="cs-CZ" dirty="0"/>
-              <a:t>Technologie</a:t>
-            </a:r>
-          </a:p>
-        </p:txBody>
-      </p:sp>
-      <p:sp>
-        <p:nvSpPr>
-          <p:cNvPr id="3" name="Zástupný symbol pro obsah 2">
-            <a:extLst>
-              <a:ext uri="{FF2B5EF4-FFF2-40B4-BE49-F238E27FC236}">
-                <a16:creationId xmlns:a16="http://schemas.microsoft.com/office/drawing/2014/main" id="{49ACDDB3-7346-4FC8-86C2-BDE70BA860D7}"/>
-              </a:ext>
-            </a:extLst>
-          </p:cNvPr>
-          <p:cNvSpPr>
-            <a:spLocks noGrp="1"/>
-          </p:cNvSpPr>
+              <a:rPr lang="cs-CZ" dirty="0" err="1"/>
+              <a:t>Quick</a:t>
+            </a:r>
+            <a:r>
+              <a:rPr lang="cs-CZ" dirty="0"/>
+              <a:t> </a:t>
+            </a:r>
+            <a:r>
+              <a:rPr lang="cs-CZ" dirty="0" err="1"/>
+              <a:t>find</a:t>
+            </a:r>
+            <a:r>
+              <a:rPr lang="cs-CZ" dirty="0"/>
+              <a:t> </a:t>
+            </a:r>
+            <a:r>
+              <a:rPr lang="cs-CZ" dirty="0" err="1"/>
+              <a:t>empty</a:t>
+            </a:r>
+            <a:r>
+              <a:rPr lang="cs-CZ" dirty="0"/>
+              <a:t> parking place</a:t>
+            </a:r>
+          </a:p>
+        </p:txBody>
+      </p:sp>
+      <p:pic>
+        <p:nvPicPr>
+          <p:cNvPr id="7" name="Zástupný symbol pro obsah 6">
+            <a:extLst>
+              <a:ext uri="{FF2B5EF4-FFF2-40B4-BE49-F238E27FC236}">
+                <a16:creationId xmlns:a16="http://schemas.microsoft.com/office/drawing/2014/main" id="{DFE63132-F466-4E4F-8B8D-7B4F2FF7756E}"/>
+              </a:ext>
+            </a:extLst>
+          </p:cNvPr>
+          <p:cNvPicPr>
+            <a:picLocks noGrp="1" noChangeAspect="1"/>
+          </p:cNvPicPr>
           <p:nvPr>
             <p:ph idx="1"/>
           </p:nvPr>
-        </p:nvSpPr>
-        <p:spPr/>
-        <p:txBody>
-          <a:bodyPr/>
-          <a:lstStyle/>
-          <a:p>
-            <a:r>
-              <a:rPr lang="cs-CZ" dirty="0"/>
-              <a:t>Node MCU</a:t>
-            </a:r>
-          </a:p>
-          <a:p>
-            <a:r>
-              <a:rPr lang="cs-CZ" dirty="0" err="1"/>
-              <a:t>Ultrosonic</a:t>
-            </a:r>
-            <a:r>
-              <a:rPr lang="cs-CZ" dirty="0"/>
-              <a:t> Sensor</a:t>
-            </a:r>
-          </a:p>
-          <a:p>
-            <a:r>
-              <a:rPr lang="cs-CZ" dirty="0"/>
-              <a:t>Matrix LED Display</a:t>
-            </a:r>
-          </a:p>
-          <a:p>
-            <a:r>
-              <a:rPr lang="cs-CZ" dirty="0" err="1"/>
-              <a:t>WiFi</a:t>
-            </a:r>
-            <a:r>
-              <a:rPr lang="cs-CZ" dirty="0"/>
-              <a:t> </a:t>
-            </a:r>
-            <a:r>
-              <a:rPr lang="cs-CZ" dirty="0" err="1"/>
-              <a:t>Connection</a:t>
-            </a:r>
-            <a:endParaRPr lang="cs-CZ" dirty="0"/>
-          </a:p>
-          <a:p>
-            <a:r>
-              <a:rPr lang="cs-CZ" dirty="0"/>
-              <a:t>GPS</a:t>
-            </a:r>
-          </a:p>
-          <a:p>
-            <a:r>
-              <a:rPr lang="cs-CZ" dirty="0"/>
-              <a:t>QR – </a:t>
-            </a:r>
-            <a:r>
-              <a:rPr lang="cs-CZ" dirty="0" err="1"/>
-              <a:t>code</a:t>
-            </a:r>
-            <a:endParaRPr lang="cs-CZ" dirty="0"/>
-          </a:p>
-          <a:p>
-            <a:endParaRPr lang="cs-CZ" dirty="0"/>
-          </a:p>
-        </p:txBody>
-      </p:sp>
+        </p:nvPicPr>
+        <p:blipFill>
+          <a:blip r:embed="rId2"/>
+          <a:stretch>
+            <a:fillRect/>
+          </a:stretch>
+        </p:blipFill>
+        <p:spPr>
+          <a:xfrm>
+            <a:off x="2488016" y="1825625"/>
+            <a:ext cx="7215968" cy="4351338"/>
+          </a:xfrm>
+          <a:prstGeom prst="rect">
+            <a:avLst/>
+          </a:prstGeom>
+        </p:spPr>
+      </p:pic>
     </p:spTree>
     <p:extLst>
       <p:ext uri="{BB962C8B-B14F-4D97-AF65-F5344CB8AC3E}">
-        <p14:creationId xmlns:p14="http://schemas.microsoft.com/office/powerpoint/2010/main" val="1627227358"/>
+        <p14:creationId xmlns:p14="http://schemas.microsoft.com/office/powerpoint/2010/main" val="3176121517"/>
       </p:ext>
     </p:extLst>
   </p:cSld>
@@ -3677,52 +3802,210 @@
           <a:chExt cx="0" cy="0"/>
         </a:xfrm>
       </p:grpSpPr>
-      <p:sp>
-        <p:nvSpPr>
-          <p:cNvPr id="2" name="Nadpis 1">
-            <a:extLst>
-              <a:ext uri="{FF2B5EF4-FFF2-40B4-BE49-F238E27FC236}">
-                <a16:creationId xmlns:a16="http://schemas.microsoft.com/office/drawing/2014/main" id="{6DB920DD-E802-4C20-8D4D-53F0D268AC6B}"/>
-              </a:ext>
-            </a:extLst>
-          </p:cNvPr>
-          <p:cNvSpPr>
-            <a:spLocks noGrp="1"/>
-          </p:cNvSpPr>
-          <p:nvPr>
-            <p:ph type="title"/>
-          </p:nvPr>
-        </p:nvSpPr>
-        <p:spPr/>
-        <p:txBody>
-          <a:bodyPr/>
-          <a:lstStyle/>
-          <a:p>
-            <a:r>
-              <a:rPr lang="cs-CZ" dirty="0"/>
-              <a:t>Navigace pomocí QR - kódu</a:t>
-            </a:r>
-          </a:p>
-        </p:txBody>
-      </p:sp>
       <p:pic>
         <p:nvPicPr>
-          <p:cNvPr id="1026" name="Picture 2" descr="Výsledek obrázku pro navigation QR code">
-            <a:extLst>
-              <a:ext uri="{FF2B5EF4-FFF2-40B4-BE49-F238E27FC236}">
-                <a16:creationId xmlns:a16="http://schemas.microsoft.com/office/drawing/2014/main" id="{7F2C70DC-295E-4850-807F-68587F63A742}"/>
+          <p:cNvPr id="11" name="Obrázek 10">
+            <a:extLst>
+              <a:ext uri="{FF2B5EF4-FFF2-40B4-BE49-F238E27FC236}">
+                <a16:creationId xmlns:a16="http://schemas.microsoft.com/office/drawing/2014/main" id="{DC3B6CB4-D7A1-434F-B0BF-AF9A51F9ED90}"/>
               </a:ext>
             </a:extLst>
           </p:cNvPr>
           <p:cNvPicPr>
-            <a:picLocks noGrp="1" noChangeAspect="1" noChangeArrowheads="1"/>
+            <a:picLocks noChangeAspect="1"/>
           </p:cNvPicPr>
-          <p:nvPr>
-            <p:ph idx="1"/>
-          </p:nvPr>
+          <p:nvPr/>
+        </p:nvPicPr>
+        <p:blipFill rotWithShape="1">
+          <a:blip r:embed="rId2">
+            <a:extLst>
+              <a:ext uri="{28A0092B-C50C-407E-A947-70E740481C1C}">
+                <a14:useLocalDpi xmlns:a14="http://schemas.microsoft.com/office/drawing/2010/main" val="0"/>
+              </a:ext>
+              <a:ext uri="{837473B0-CC2E-450A-ABE3-18F120FF3D39}">
+                <a1611:picAttrSrcUrl xmlns:a1611="http://schemas.microsoft.com/office/drawing/2016/11/main" r:id="rId3"/>
+              </a:ext>
+            </a:extLst>
+          </a:blip>
+          <a:srcRect r="13737"/>
+          <a:stretch/>
+        </p:blipFill>
+        <p:spPr>
+          <a:xfrm>
+            <a:off x="3789927" y="1479366"/>
+            <a:ext cx="3937390" cy="4099735"/>
+          </a:xfrm>
+          <a:prstGeom prst="rect">
+            <a:avLst/>
+          </a:prstGeom>
+        </p:spPr>
+      </p:pic>
+      <p:sp>
+        <p:nvSpPr>
+          <p:cNvPr id="2" name="Nadpis 1">
+            <a:extLst>
+              <a:ext uri="{FF2B5EF4-FFF2-40B4-BE49-F238E27FC236}">
+                <a16:creationId xmlns:a16="http://schemas.microsoft.com/office/drawing/2014/main" id="{6DB920DD-E802-4C20-8D4D-53F0D268AC6B}"/>
+              </a:ext>
+            </a:extLst>
+          </p:cNvPr>
+          <p:cNvSpPr>
+            <a:spLocks noGrp="1"/>
+          </p:cNvSpPr>
+          <p:nvPr>
+            <p:ph type="title"/>
+          </p:nvPr>
+        </p:nvSpPr>
+        <p:spPr>
+          <a:xfrm>
+            <a:off x="838200" y="365125"/>
+            <a:ext cx="10515600" cy="1325563"/>
+          </a:xfrm>
+        </p:spPr>
+        <p:txBody>
+          <a:bodyPr/>
+          <a:lstStyle/>
+          <a:p>
+            <a:r>
+              <a:rPr lang="cs-CZ" dirty="0"/>
+              <a:t>Navigace pomocí QR - kódu</a:t>
+            </a:r>
+          </a:p>
+        </p:txBody>
+      </p:sp>
+      <p:pic>
+        <p:nvPicPr>
+          <p:cNvPr id="13" name="Obrázek 12">
+            <a:extLst>
+              <a:ext uri="{FF2B5EF4-FFF2-40B4-BE49-F238E27FC236}">
+                <a16:creationId xmlns:a16="http://schemas.microsoft.com/office/drawing/2014/main" id="{4FAE5845-EF21-430E-8C44-23E2076335F3}"/>
+              </a:ext>
+            </a:extLst>
+          </p:cNvPr>
+          <p:cNvPicPr>
+            <a:picLocks noChangeAspect="1"/>
+          </p:cNvPicPr>
+          <p:nvPr/>
         </p:nvPicPr>
         <p:blipFill>
-          <a:blip r:embed="rId2">
+          <a:blip r:embed="rId4">
+            <a:extLst>
+              <a:ext uri="{28A0092B-C50C-407E-A947-70E740481C1C}">
+                <a14:useLocalDpi xmlns:a14="http://schemas.microsoft.com/office/drawing/2010/main" val="0"/>
+              </a:ext>
+              <a:ext uri="{837473B0-CC2E-450A-ABE3-18F120FF3D39}">
+                <a1611:picAttrSrcUrl xmlns:a1611="http://schemas.microsoft.com/office/drawing/2016/11/main" r:id="rId5"/>
+              </a:ext>
+            </a:extLst>
+          </a:blip>
+          <a:stretch>
+            <a:fillRect/>
+          </a:stretch>
+        </p:blipFill>
+        <p:spPr>
+          <a:xfrm flipH="1">
+            <a:off x="-180754" y="2692192"/>
+            <a:ext cx="8584207" cy="3789306"/>
+          </a:xfrm>
+          <a:prstGeom prst="rect">
+            <a:avLst/>
+          </a:prstGeom>
+        </p:spPr>
+      </p:pic>
+      <p:pic>
+        <p:nvPicPr>
+          <p:cNvPr id="9" name="Obrázek 8">
+            <a:extLst>
+              <a:ext uri="{FF2B5EF4-FFF2-40B4-BE49-F238E27FC236}">
+                <a16:creationId xmlns:a16="http://schemas.microsoft.com/office/drawing/2014/main" id="{B9209A62-883F-463B-B9C9-EC967F8D0BEE}"/>
+              </a:ext>
+            </a:extLst>
+          </p:cNvPr>
+          <p:cNvPicPr>
+            <a:picLocks noChangeAspect="1"/>
+          </p:cNvPicPr>
+          <p:nvPr/>
+        </p:nvPicPr>
+        <p:blipFill>
+          <a:blip r:embed="rId6">
+            <a:extLst>
+              <a:ext uri="{28A0092B-C50C-407E-A947-70E740481C1C}">
+                <a14:useLocalDpi xmlns:a14="http://schemas.microsoft.com/office/drawing/2010/main" val="0"/>
+              </a:ext>
+              <a:ext uri="{837473B0-CC2E-450A-ABE3-18F120FF3D39}">
+                <a1611:picAttrSrcUrl xmlns:a1611="http://schemas.microsoft.com/office/drawing/2016/11/main" r:id="rId7"/>
+              </a:ext>
+            </a:extLst>
+          </a:blip>
+          <a:stretch>
+            <a:fillRect/>
+          </a:stretch>
+        </p:blipFill>
+        <p:spPr>
+          <a:xfrm>
+            <a:off x="5940485" y="3042239"/>
+            <a:ext cx="3651083" cy="3651083"/>
+          </a:xfrm>
+          <a:prstGeom prst="rect">
+            <a:avLst/>
+          </a:prstGeom>
+        </p:spPr>
+      </p:pic>
+      <p:pic>
+        <p:nvPicPr>
+          <p:cNvPr id="6" name="Obrázek 5">
+            <a:extLst>
+              <a:ext uri="{FF2B5EF4-FFF2-40B4-BE49-F238E27FC236}">
+                <a16:creationId xmlns:a16="http://schemas.microsoft.com/office/drawing/2014/main" id="{99546904-051C-45AC-98E0-FB5CC6BD8B6E}"/>
+              </a:ext>
+            </a:extLst>
+          </p:cNvPr>
+          <p:cNvPicPr>
+            <a:picLocks noChangeAspect="1"/>
+          </p:cNvPicPr>
+          <p:nvPr/>
+        </p:nvPicPr>
+        <p:blipFill>
+          <a:blip r:embed="rId8">
+            <a:extLst>
+              <a:ext uri="{28A0092B-C50C-407E-A947-70E740481C1C}">
+                <a14:useLocalDpi xmlns:a14="http://schemas.microsoft.com/office/drawing/2010/main" val="0"/>
+              </a:ext>
+              <a:ext uri="{837473B0-CC2E-450A-ABE3-18F120FF3D39}">
+                <a1611:picAttrSrcUrl xmlns:a1611="http://schemas.microsoft.com/office/drawing/2016/11/main" r:id="rId9"/>
+              </a:ext>
+            </a:extLst>
+          </a:blip>
+          <a:stretch>
+            <a:fillRect/>
+          </a:stretch>
+        </p:blipFill>
+        <p:spPr>
+          <a:xfrm>
+            <a:off x="5620216" y="1627723"/>
+            <a:ext cx="1338762" cy="1338762"/>
+          </a:xfrm>
+          <a:prstGeom prst="rect">
+            <a:avLst/>
+          </a:prstGeom>
+        </p:spPr>
+      </p:pic>
+      <p:pic>
+        <p:nvPicPr>
+          <p:cNvPr id="14" name="Picture 2" descr="Výsledek obrázku pro waze image">
+            <a:extLst>
+              <a:ext uri="{FF2B5EF4-FFF2-40B4-BE49-F238E27FC236}">
+                <a16:creationId xmlns:a16="http://schemas.microsoft.com/office/drawing/2014/main" id="{5C94FB22-5614-4CA6-8634-FCF090CC9DA8}"/>
+              </a:ext>
+            </a:extLst>
+          </p:cNvPr>
+          <p:cNvPicPr>
+            <a:picLocks noChangeAspect="1" noChangeArrowheads="1"/>
+          </p:cNvPicPr>
+          <p:nvPr/>
+        </p:nvPicPr>
+        <p:blipFill>
+          <a:blip r:embed="rId10">
             <a:extLst>
               <a:ext uri="{28A0092B-C50C-407E-A947-70E740481C1C}">
                 <a14:useLocalDpi xmlns:a14="http://schemas.microsoft.com/office/drawing/2010/main" val="0"/>
@@ -3736,8 +4019,8 @@
         </p:blipFill>
         <p:spPr bwMode="auto">
           <a:xfrm>
-            <a:off x="5095875" y="2858294"/>
-            <a:ext cx="2000250" cy="2286000"/>
+            <a:off x="9755154" y="1192284"/>
+            <a:ext cx="1597713" cy="2663883"/>
           </a:xfrm>
           <a:prstGeom prst="rect">
             <a:avLst/>
@@ -3754,6 +4037,80 @@
           </a:extLst>
         </p:spPr>
       </p:pic>
+      <p:cxnSp>
+        <p:nvCxnSpPr>
+          <p:cNvPr id="16" name="Přímá spojnice 15">
+            <a:extLst>
+              <a:ext uri="{FF2B5EF4-FFF2-40B4-BE49-F238E27FC236}">
+                <a16:creationId xmlns:a16="http://schemas.microsoft.com/office/drawing/2014/main" id="{B6E01C68-EB49-4FDA-B4F5-226FCB961299}"/>
+              </a:ext>
+            </a:extLst>
+          </p:cNvPr>
+          <p:cNvCxnSpPr/>
+          <p:nvPr/>
+        </p:nvCxnSpPr>
+        <p:spPr>
+          <a:xfrm>
+            <a:off x="6677247" y="2692192"/>
+            <a:ext cx="3094074" cy="1167427"/>
+          </a:xfrm>
+          <a:prstGeom prst="line">
+            <a:avLst/>
+          </a:prstGeom>
+        </p:spPr>
+        <p:style>
+          <a:lnRef idx="1">
+            <a:schemeClr val="accent1"/>
+          </a:lnRef>
+          <a:fillRef idx="0">
+            <a:schemeClr val="accent1"/>
+          </a:fillRef>
+          <a:effectRef idx="0">
+            <a:schemeClr val="accent1"/>
+          </a:effectRef>
+          <a:fontRef idx="minor">
+            <a:schemeClr val="tx1"/>
+          </a:fontRef>
+        </p:style>
+      </p:cxnSp>
+      <p:cxnSp>
+        <p:nvCxnSpPr>
+          <p:cNvPr id="18" name="Přímá spojnice 17">
+            <a:extLst>
+              <a:ext uri="{FF2B5EF4-FFF2-40B4-BE49-F238E27FC236}">
+                <a16:creationId xmlns:a16="http://schemas.microsoft.com/office/drawing/2014/main" id="{0245805D-E133-44BB-93E3-BC431B32927F}"/>
+              </a:ext>
+            </a:extLst>
+          </p:cNvPr>
+          <p:cNvCxnSpPr>
+            <a:cxnSpLocks/>
+          </p:cNvCxnSpPr>
+          <p:nvPr/>
+        </p:nvCxnSpPr>
+        <p:spPr>
+          <a:xfrm flipV="1">
+            <a:off x="6332607" y="1192285"/>
+            <a:ext cx="3422547" cy="597510"/>
+          </a:xfrm>
+          <a:prstGeom prst="line">
+            <a:avLst/>
+          </a:prstGeom>
+        </p:spPr>
+        <p:style>
+          <a:lnRef idx="1">
+            <a:schemeClr val="accent1"/>
+          </a:lnRef>
+          <a:fillRef idx="0">
+            <a:schemeClr val="accent1"/>
+          </a:fillRef>
+          <a:effectRef idx="0">
+            <a:schemeClr val="accent1"/>
+          </a:effectRef>
+          <a:fontRef idx="minor">
+            <a:schemeClr val="tx1"/>
+          </a:fontRef>
+        </p:style>
+      </p:cxnSp>
     </p:spTree>
     <p:extLst>
       <p:ext uri="{BB962C8B-B14F-4D97-AF65-F5344CB8AC3E}">
@@ -3789,6 +4146,457 @@
           <p:cNvPr id="2" name="Nadpis 1">
             <a:extLst>
               <a:ext uri="{FF2B5EF4-FFF2-40B4-BE49-F238E27FC236}">
+                <a16:creationId xmlns:a16="http://schemas.microsoft.com/office/drawing/2014/main" id="{7C4F747D-4F22-40F2-954E-D9E822BFF7E3}"/>
+              </a:ext>
+            </a:extLst>
+          </p:cNvPr>
+          <p:cNvSpPr>
+            <a:spLocks noGrp="1"/>
+          </p:cNvSpPr>
+          <p:nvPr>
+            <p:ph type="title"/>
+          </p:nvPr>
+        </p:nvSpPr>
+        <p:spPr/>
+        <p:txBody>
+          <a:bodyPr/>
+          <a:lstStyle/>
+          <a:p>
+            <a:endParaRPr lang="cs-CZ"/>
+          </a:p>
+        </p:txBody>
+      </p:sp>
+      <p:sp>
+        <p:nvSpPr>
+          <p:cNvPr id="7" name="Zástupný symbol pro obsah 6">
+            <a:extLst>
+              <a:ext uri="{FF2B5EF4-FFF2-40B4-BE49-F238E27FC236}">
+                <a16:creationId xmlns:a16="http://schemas.microsoft.com/office/drawing/2014/main" id="{88A53ED5-D60B-4662-AF12-54B09244DECF}"/>
+              </a:ext>
+            </a:extLst>
+          </p:cNvPr>
+          <p:cNvSpPr>
+            <a:spLocks noGrp="1"/>
+          </p:cNvSpPr>
+          <p:nvPr>
+            <p:ph idx="1"/>
+          </p:nvPr>
+        </p:nvSpPr>
+        <p:spPr/>
+        <p:txBody>
+          <a:bodyPr/>
+          <a:lstStyle/>
+          <a:p>
+            <a:endParaRPr lang="cs-CZ"/>
+          </a:p>
+        </p:txBody>
+      </p:sp>
+    </p:spTree>
+    <p:extLst>
+      <p:ext uri="{BB962C8B-B14F-4D97-AF65-F5344CB8AC3E}">
+        <p14:creationId xmlns:p14="http://schemas.microsoft.com/office/powerpoint/2010/main" val="1710008148"/>
+      </p:ext>
+    </p:extLst>
+  </p:cSld>
+  <p:clrMapOvr>
+    <a:masterClrMapping/>
+  </p:clrMapOvr>
+</p:sld>
+</file>
+
+<file path=ppt/slides/slide6.xml><?xml version="1.0" encoding="utf-8"?>
+<p:sld xmlns:a="http://schemas.openxmlformats.org/drawingml/2006/main" xmlns:r="http://schemas.openxmlformats.org/officeDocument/2006/relationships" xmlns:p="http://schemas.openxmlformats.org/presentationml/2006/main">
+  <p:cSld>
+    <p:spTree>
+      <p:nvGrpSpPr>
+        <p:cNvPr id="1" name=""/>
+        <p:cNvGrpSpPr/>
+        <p:nvPr/>
+      </p:nvGrpSpPr>
+      <p:grpSpPr>
+        <a:xfrm>
+          <a:off x="0" y="0"/>
+          <a:ext cx="0" cy="0"/>
+          <a:chOff x="0" y="0"/>
+          <a:chExt cx="0" cy="0"/>
+        </a:xfrm>
+      </p:grpSpPr>
+      <p:sp>
+        <p:nvSpPr>
+          <p:cNvPr id="2" name="Nadpis 1">
+            <a:extLst>
+              <a:ext uri="{FF2B5EF4-FFF2-40B4-BE49-F238E27FC236}">
+                <a16:creationId xmlns:a16="http://schemas.microsoft.com/office/drawing/2014/main" id="{5725836F-814F-4131-8809-E84B569C68B5}"/>
+              </a:ext>
+            </a:extLst>
+          </p:cNvPr>
+          <p:cNvSpPr>
+            <a:spLocks noGrp="1"/>
+          </p:cNvSpPr>
+          <p:nvPr>
+            <p:ph type="title"/>
+          </p:nvPr>
+        </p:nvSpPr>
+        <p:spPr/>
+        <p:txBody>
+          <a:bodyPr/>
+          <a:lstStyle/>
+          <a:p>
+            <a:r>
+              <a:rPr lang="cs-CZ" dirty="0" err="1"/>
+              <a:t>Benefits</a:t>
+            </a:r>
+            <a:endParaRPr lang="cs-CZ" dirty="0"/>
+          </a:p>
+        </p:txBody>
+      </p:sp>
+      <p:sp>
+        <p:nvSpPr>
+          <p:cNvPr id="3" name="Zástupný symbol pro obsah 2">
+            <a:extLst>
+              <a:ext uri="{FF2B5EF4-FFF2-40B4-BE49-F238E27FC236}">
+                <a16:creationId xmlns:a16="http://schemas.microsoft.com/office/drawing/2014/main" id="{EB4DA9ED-FBAF-4C37-8CDB-2D11AE52D4E0}"/>
+              </a:ext>
+            </a:extLst>
+          </p:cNvPr>
+          <p:cNvSpPr>
+            <a:spLocks noGrp="1"/>
+          </p:cNvSpPr>
+          <p:nvPr>
+            <p:ph idx="1"/>
+          </p:nvPr>
+        </p:nvSpPr>
+        <p:spPr/>
+        <p:txBody>
+          <a:bodyPr/>
+          <a:lstStyle/>
+          <a:p>
+            <a:r>
+              <a:rPr lang="cs-CZ" dirty="0"/>
+              <a:t>UX – </a:t>
+            </a:r>
+            <a:r>
+              <a:rPr lang="cs-CZ" dirty="0" err="1"/>
+              <a:t>quick</a:t>
+            </a:r>
+            <a:r>
+              <a:rPr lang="cs-CZ" dirty="0"/>
+              <a:t> and </a:t>
+            </a:r>
+            <a:r>
+              <a:rPr lang="cs-CZ" dirty="0" err="1"/>
+              <a:t>easy</a:t>
+            </a:r>
+            <a:r>
+              <a:rPr lang="cs-CZ" dirty="0"/>
+              <a:t> </a:t>
+            </a:r>
+            <a:r>
+              <a:rPr lang="cs-CZ" dirty="0" err="1"/>
+              <a:t>path</a:t>
+            </a:r>
+            <a:r>
+              <a:rPr lang="cs-CZ" dirty="0"/>
+              <a:t> to </a:t>
+            </a:r>
+            <a:r>
+              <a:rPr lang="cs-CZ" dirty="0" err="1"/>
+              <a:t>the</a:t>
+            </a:r>
+            <a:r>
+              <a:rPr lang="cs-CZ" dirty="0"/>
+              <a:t> </a:t>
+            </a:r>
+            <a:r>
+              <a:rPr lang="cs-CZ" dirty="0" err="1"/>
+              <a:t>empty</a:t>
+            </a:r>
+            <a:r>
+              <a:rPr lang="cs-CZ" dirty="0"/>
+              <a:t> parking place </a:t>
+            </a:r>
+            <a:r>
+              <a:rPr lang="cs-CZ" dirty="0" err="1"/>
+              <a:t>for</a:t>
+            </a:r>
+            <a:r>
+              <a:rPr lang="cs-CZ" dirty="0"/>
+              <a:t> </a:t>
+            </a:r>
+            <a:r>
+              <a:rPr lang="cs-CZ" dirty="0" err="1"/>
+              <a:t>custommer</a:t>
+            </a:r>
+            <a:r>
+              <a:rPr lang="cs-CZ" dirty="0"/>
+              <a:t> </a:t>
+            </a:r>
+            <a:r>
+              <a:rPr lang="cs-CZ" dirty="0" err="1"/>
+              <a:t>of</a:t>
+            </a:r>
+            <a:r>
+              <a:rPr lang="cs-CZ" dirty="0"/>
+              <a:t> shop center</a:t>
+            </a:r>
+          </a:p>
+          <a:p>
+            <a:r>
+              <a:rPr lang="cs-CZ" dirty="0"/>
+              <a:t>Pro developera – spokojený zákazník,  přidaná hodnota pro nákupní středisko</a:t>
+            </a:r>
+          </a:p>
+          <a:p>
+            <a:r>
+              <a:rPr lang="cs-CZ" dirty="0"/>
+              <a:t>Pro nákupní středisko – spokojený zákazník a data o zákaznících</a:t>
+            </a:r>
+          </a:p>
+          <a:p>
+            <a:r>
+              <a:rPr lang="cs-CZ" dirty="0"/>
+              <a:t>Pro zákazníka – rychle zaparkuje, bonus program od nákupního střediska</a:t>
+            </a:r>
+          </a:p>
+          <a:p>
+            <a:r>
+              <a:rPr lang="cs-CZ" dirty="0"/>
+              <a:t>Ekologie – snížení emisí v parkovacích domech</a:t>
+            </a:r>
+          </a:p>
+          <a:p>
+            <a:endParaRPr lang="cs-CZ" dirty="0"/>
+          </a:p>
+          <a:p>
+            <a:endParaRPr lang="cs-CZ" dirty="0"/>
+          </a:p>
+        </p:txBody>
+      </p:sp>
+    </p:spTree>
+    <p:extLst>
+      <p:ext uri="{BB962C8B-B14F-4D97-AF65-F5344CB8AC3E}">
+        <p14:creationId xmlns:p14="http://schemas.microsoft.com/office/powerpoint/2010/main" val="402809595"/>
+      </p:ext>
+    </p:extLst>
+  </p:cSld>
+  <p:clrMapOvr>
+    <a:masterClrMapping/>
+  </p:clrMapOvr>
+</p:sld>
+</file>
+
+<file path=ppt/slides/slide7.xml><?xml version="1.0" encoding="utf-8"?>
+<p:sld xmlns:a="http://schemas.openxmlformats.org/drawingml/2006/main" xmlns:r="http://schemas.openxmlformats.org/officeDocument/2006/relationships" xmlns:p="http://schemas.openxmlformats.org/presentationml/2006/main">
+  <p:cSld>
+    <p:spTree>
+      <p:nvGrpSpPr>
+        <p:cNvPr id="1" name=""/>
+        <p:cNvGrpSpPr/>
+        <p:nvPr/>
+      </p:nvGrpSpPr>
+      <p:grpSpPr>
+        <a:xfrm>
+          <a:off x="0" y="0"/>
+          <a:ext cx="0" cy="0"/>
+          <a:chOff x="0" y="0"/>
+          <a:chExt cx="0" cy="0"/>
+        </a:xfrm>
+      </p:grpSpPr>
+      <p:sp>
+        <p:nvSpPr>
+          <p:cNvPr id="2" name="Nadpis 1">
+            <a:extLst>
+              <a:ext uri="{FF2B5EF4-FFF2-40B4-BE49-F238E27FC236}">
+                <a16:creationId xmlns:a16="http://schemas.microsoft.com/office/drawing/2014/main" id="{0AE494C8-650E-4005-8BD0-90DB76A66AA5}"/>
+              </a:ext>
+            </a:extLst>
+          </p:cNvPr>
+          <p:cNvSpPr>
+            <a:spLocks noGrp="1"/>
+          </p:cNvSpPr>
+          <p:nvPr>
+            <p:ph type="title"/>
+          </p:nvPr>
+        </p:nvSpPr>
+        <p:spPr/>
+        <p:txBody>
+          <a:bodyPr/>
+          <a:lstStyle/>
+          <a:p>
+            <a:r>
+              <a:rPr lang="cs-CZ" dirty="0" err="1"/>
+              <a:t>Used</a:t>
+            </a:r>
+            <a:r>
+              <a:rPr lang="cs-CZ" dirty="0"/>
+              <a:t> </a:t>
+            </a:r>
+            <a:r>
+              <a:rPr lang="cs-CZ" dirty="0" err="1"/>
+              <a:t>technologies</a:t>
+            </a:r>
+            <a:endParaRPr lang="cs-CZ" dirty="0"/>
+          </a:p>
+        </p:txBody>
+      </p:sp>
+      <p:sp>
+        <p:nvSpPr>
+          <p:cNvPr id="3" name="Zástupný symbol pro obsah 2">
+            <a:extLst>
+              <a:ext uri="{FF2B5EF4-FFF2-40B4-BE49-F238E27FC236}">
+                <a16:creationId xmlns:a16="http://schemas.microsoft.com/office/drawing/2014/main" id="{49ACDDB3-7346-4FC8-86C2-BDE70BA860D7}"/>
+              </a:ext>
+            </a:extLst>
+          </p:cNvPr>
+          <p:cNvSpPr>
+            <a:spLocks noGrp="1"/>
+          </p:cNvSpPr>
+          <p:nvPr>
+            <p:ph idx="1"/>
+          </p:nvPr>
+        </p:nvSpPr>
+        <p:spPr/>
+        <p:txBody>
+          <a:bodyPr/>
+          <a:lstStyle/>
+          <a:p>
+            <a:r>
+              <a:rPr lang="cs-CZ" dirty="0"/>
+              <a:t>Node MCU</a:t>
+            </a:r>
+          </a:p>
+          <a:p>
+            <a:r>
+              <a:rPr lang="cs-CZ" dirty="0" err="1"/>
+              <a:t>Ultrasonic</a:t>
+            </a:r>
+            <a:r>
+              <a:rPr lang="cs-CZ" dirty="0"/>
+              <a:t> Sensor</a:t>
+            </a:r>
+          </a:p>
+          <a:p>
+            <a:r>
+              <a:rPr lang="cs-CZ" dirty="0"/>
+              <a:t>(Matrix LED Display)</a:t>
+            </a:r>
+          </a:p>
+          <a:p>
+            <a:r>
+              <a:rPr lang="cs-CZ" dirty="0" err="1"/>
+              <a:t>WiFi</a:t>
+            </a:r>
+            <a:endParaRPr lang="cs-CZ" dirty="0"/>
+          </a:p>
+          <a:p>
+            <a:r>
+              <a:rPr lang="cs-CZ" dirty="0"/>
+              <a:t>GPS</a:t>
+            </a:r>
+          </a:p>
+          <a:p>
+            <a:r>
+              <a:rPr lang="cs-CZ" dirty="0"/>
+              <a:t>QR – </a:t>
+            </a:r>
+            <a:r>
+              <a:rPr lang="cs-CZ" dirty="0" err="1"/>
+              <a:t>code</a:t>
+            </a:r>
+            <a:endParaRPr lang="cs-CZ" dirty="0"/>
+          </a:p>
+          <a:p>
+            <a:r>
+              <a:rPr lang="cs-CZ" dirty="0"/>
+              <a:t>Cell </a:t>
+            </a:r>
+            <a:r>
+              <a:rPr lang="cs-CZ" dirty="0" err="1"/>
+              <a:t>phone</a:t>
+            </a:r>
+            <a:endParaRPr lang="cs-CZ" dirty="0"/>
+          </a:p>
+          <a:p>
+            <a:pPr marL="0" indent="0">
+              <a:buNone/>
+            </a:pPr>
+            <a:endParaRPr lang="cs-CZ" dirty="0"/>
+          </a:p>
+          <a:p>
+            <a:endParaRPr lang="cs-CZ" dirty="0"/>
+          </a:p>
+        </p:txBody>
+      </p:sp>
+      <p:pic>
+        <p:nvPicPr>
+          <p:cNvPr id="5" name="Obrázek 4">
+            <a:extLst>
+              <a:ext uri="{FF2B5EF4-FFF2-40B4-BE49-F238E27FC236}">
+                <a16:creationId xmlns:a16="http://schemas.microsoft.com/office/drawing/2014/main" id="{A9F9F849-74C5-430D-893F-989848927C28}"/>
+              </a:ext>
+            </a:extLst>
+          </p:cNvPr>
+          <p:cNvPicPr>
+            <a:picLocks noChangeAspect="1"/>
+          </p:cNvPicPr>
+          <p:nvPr/>
+        </p:nvPicPr>
+        <p:blipFill rotWithShape="1">
+          <a:blip r:embed="rId2">
+            <a:extLst>
+              <a:ext uri="{28A0092B-C50C-407E-A947-70E740481C1C}">
+                <a14:useLocalDpi xmlns:a14="http://schemas.microsoft.com/office/drawing/2010/main" val="0"/>
+              </a:ext>
+            </a:extLst>
+          </a:blip>
+          <a:srcRect l="13333" t="30247" r="35969" b="6360"/>
+          <a:stretch/>
+        </p:blipFill>
+        <p:spPr>
+          <a:xfrm rot="5400000">
+            <a:off x="5013251" y="2206368"/>
+            <a:ext cx="3476847" cy="2445488"/>
+          </a:xfrm>
+          <a:prstGeom prst="rect">
+            <a:avLst/>
+          </a:prstGeom>
+        </p:spPr>
+      </p:pic>
+    </p:spTree>
+    <p:extLst>
+      <p:ext uri="{BB962C8B-B14F-4D97-AF65-F5344CB8AC3E}">
+        <p14:creationId xmlns:p14="http://schemas.microsoft.com/office/powerpoint/2010/main" val="1627227358"/>
+      </p:ext>
+    </p:extLst>
+  </p:cSld>
+  <p:clrMapOvr>
+    <a:masterClrMapping/>
+  </p:clrMapOvr>
+</p:sld>
+</file>
+
+<file path=ppt/slides/slide8.xml><?xml version="1.0" encoding="utf-8"?>
+<p:sld xmlns:a="http://schemas.openxmlformats.org/drawingml/2006/main" xmlns:r="http://schemas.openxmlformats.org/officeDocument/2006/relationships" xmlns:p="http://schemas.openxmlformats.org/presentationml/2006/main">
+  <p:cSld>
+    <p:spTree>
+      <p:nvGrpSpPr>
+        <p:cNvPr id="1" name=""/>
+        <p:cNvGrpSpPr/>
+        <p:nvPr/>
+      </p:nvGrpSpPr>
+      <p:grpSpPr>
+        <a:xfrm>
+          <a:off x="0" y="0"/>
+          <a:ext cx="0" cy="0"/>
+          <a:chOff x="0" y="0"/>
+          <a:chExt cx="0" cy="0"/>
+        </a:xfrm>
+      </p:grpSpPr>
+      <p:sp>
+        <p:nvSpPr>
+          <p:cNvPr id="2" name="Nadpis 1">
+            <a:extLst>
+              <a:ext uri="{FF2B5EF4-FFF2-40B4-BE49-F238E27FC236}">
                 <a16:creationId xmlns:a16="http://schemas.microsoft.com/office/drawing/2014/main" id="{839DFA00-5F7D-4680-B542-83E04D838E94}"/>
               </a:ext>
             </a:extLst>
@@ -3862,6 +4670,225 @@
     <p:extLst>
       <p:ext uri="{BB962C8B-B14F-4D97-AF65-F5344CB8AC3E}">
         <p14:creationId xmlns:p14="http://schemas.microsoft.com/office/powerpoint/2010/main" val="3937570610"/>
+      </p:ext>
+    </p:extLst>
+  </p:cSld>
+  <p:clrMapOvr>
+    <a:masterClrMapping/>
+  </p:clrMapOvr>
+</p:sld>
+</file>
+
+<file path=ppt/slides/slide9.xml><?xml version="1.0" encoding="utf-8"?>
+<p:sld xmlns:a="http://schemas.openxmlformats.org/drawingml/2006/main" xmlns:r="http://schemas.openxmlformats.org/officeDocument/2006/relationships" xmlns:p="http://schemas.openxmlformats.org/presentationml/2006/main">
+  <p:cSld>
+    <p:spTree>
+      <p:nvGrpSpPr>
+        <p:cNvPr id="1" name=""/>
+        <p:cNvGrpSpPr/>
+        <p:nvPr/>
+      </p:nvGrpSpPr>
+      <p:grpSpPr>
+        <a:xfrm>
+          <a:off x="0" y="0"/>
+          <a:ext cx="0" cy="0"/>
+          <a:chOff x="0" y="0"/>
+          <a:chExt cx="0" cy="0"/>
+        </a:xfrm>
+      </p:grpSpPr>
+      <p:sp>
+        <p:nvSpPr>
+          <p:cNvPr id="2" name="Nadpis 1">
+            <a:extLst>
+              <a:ext uri="{FF2B5EF4-FFF2-40B4-BE49-F238E27FC236}">
+                <a16:creationId xmlns:a16="http://schemas.microsoft.com/office/drawing/2014/main" id="{A932D6CF-95AA-4D06-9D8F-775D1CEDFCD1}"/>
+              </a:ext>
+            </a:extLst>
+          </p:cNvPr>
+          <p:cNvSpPr>
+            <a:spLocks noGrp="1"/>
+          </p:cNvSpPr>
+          <p:nvPr>
+            <p:ph type="title"/>
+          </p:nvPr>
+        </p:nvSpPr>
+        <p:spPr/>
+        <p:txBody>
+          <a:bodyPr/>
+          <a:lstStyle/>
+          <a:p>
+            <a:r>
+              <a:rPr lang="cs-CZ" dirty="0" err="1"/>
+              <a:t>Future</a:t>
+            </a:r>
+            <a:r>
+              <a:rPr lang="cs-CZ" dirty="0"/>
+              <a:t> </a:t>
+            </a:r>
+            <a:r>
+              <a:rPr lang="cs-CZ" dirty="0" err="1"/>
+              <a:t>features</a:t>
+            </a:r>
+            <a:endParaRPr lang="cs-CZ" dirty="0"/>
+          </a:p>
+        </p:txBody>
+      </p:sp>
+      <p:sp>
+        <p:nvSpPr>
+          <p:cNvPr id="3" name="Zástupný symbol pro obsah 2">
+            <a:extLst>
+              <a:ext uri="{FF2B5EF4-FFF2-40B4-BE49-F238E27FC236}">
+                <a16:creationId xmlns:a16="http://schemas.microsoft.com/office/drawing/2014/main" id="{4FB938AB-7585-42F2-AD4F-52AC35CEA07A}"/>
+              </a:ext>
+            </a:extLst>
+          </p:cNvPr>
+          <p:cNvSpPr>
+            <a:spLocks noGrp="1"/>
+          </p:cNvSpPr>
+          <p:nvPr>
+            <p:ph idx="1"/>
+          </p:nvPr>
+        </p:nvSpPr>
+        <p:spPr/>
+        <p:txBody>
+          <a:bodyPr/>
+          <a:lstStyle/>
+          <a:p>
+            <a:r>
+              <a:rPr lang="cs-CZ" dirty="0" err="1"/>
+              <a:t>Wireless</a:t>
+            </a:r>
+            <a:r>
+              <a:rPr lang="cs-CZ" dirty="0"/>
+              <a:t> </a:t>
+            </a:r>
+            <a:r>
+              <a:rPr lang="cs-CZ" dirty="0" err="1"/>
+              <a:t>communication</a:t>
+            </a:r>
+            <a:r>
+              <a:rPr lang="cs-CZ" dirty="0"/>
+              <a:t> </a:t>
+            </a:r>
+            <a:r>
+              <a:rPr lang="cs-CZ" dirty="0" err="1"/>
+              <a:t>through</a:t>
+            </a:r>
+            <a:r>
+              <a:rPr lang="cs-CZ" dirty="0"/>
+              <a:t> IQRF</a:t>
+            </a:r>
+          </a:p>
+          <a:p>
+            <a:r>
+              <a:rPr lang="cs-CZ" dirty="0" err="1"/>
+              <a:t>Communication</a:t>
+            </a:r>
+            <a:r>
+              <a:rPr lang="cs-CZ" dirty="0"/>
+              <a:t> </a:t>
+            </a:r>
+            <a:r>
+              <a:rPr lang="cs-CZ" dirty="0" err="1"/>
+              <a:t>with</a:t>
+            </a:r>
+            <a:r>
+              <a:rPr lang="cs-CZ" dirty="0"/>
+              <a:t> cell </a:t>
+            </a:r>
+            <a:r>
+              <a:rPr lang="cs-CZ" dirty="0" err="1"/>
+              <a:t>prone</a:t>
+            </a:r>
+            <a:r>
+              <a:rPr lang="cs-CZ" dirty="0"/>
+              <a:t> </a:t>
+            </a:r>
+            <a:r>
+              <a:rPr lang="cs-CZ" dirty="0" err="1"/>
+              <a:t>through</a:t>
+            </a:r>
+            <a:r>
+              <a:rPr lang="cs-CZ" dirty="0"/>
+              <a:t> NFC</a:t>
+            </a:r>
+          </a:p>
+          <a:p>
+            <a:r>
+              <a:rPr lang="cs-CZ" dirty="0" err="1"/>
+              <a:t>Pay</a:t>
+            </a:r>
+            <a:r>
+              <a:rPr lang="cs-CZ" dirty="0"/>
+              <a:t> </a:t>
+            </a:r>
+            <a:r>
+              <a:rPr lang="cs-CZ" dirty="0" err="1"/>
+              <a:t>for</a:t>
+            </a:r>
+            <a:r>
+              <a:rPr lang="cs-CZ" dirty="0"/>
+              <a:t> parking by cell </a:t>
+            </a:r>
+            <a:r>
+              <a:rPr lang="cs-CZ" dirty="0" err="1"/>
+              <a:t>phone</a:t>
+            </a:r>
+            <a:endParaRPr lang="cs-CZ" dirty="0"/>
+          </a:p>
+        </p:txBody>
+      </p:sp>
+      <p:pic>
+        <p:nvPicPr>
+          <p:cNvPr id="4" name="Picture 2" descr="Výsledek obrázku pro navigation QR code">
+            <a:extLst>
+              <a:ext uri="{FF2B5EF4-FFF2-40B4-BE49-F238E27FC236}">
+                <a16:creationId xmlns:a16="http://schemas.microsoft.com/office/drawing/2014/main" id="{64CCAF3A-F68C-4812-A0C4-FD9D069B8DC9}"/>
+              </a:ext>
+            </a:extLst>
+          </p:cNvPr>
+          <p:cNvPicPr>
+            <a:picLocks noChangeAspect="1" noChangeArrowheads="1"/>
+          </p:cNvPicPr>
+          <p:nvPr/>
+        </p:nvPicPr>
+        <p:blipFill>
+          <a:blip r:embed="rId2">
+            <a:extLst>
+              <a:ext uri="{28A0092B-C50C-407E-A947-70E740481C1C}">
+                <a14:useLocalDpi xmlns:a14="http://schemas.microsoft.com/office/drawing/2010/main" val="0"/>
+              </a:ext>
+            </a:extLst>
+          </a:blip>
+          <a:srcRect/>
+          <a:stretch>
+            <a:fillRect/>
+          </a:stretch>
+        </p:blipFill>
+        <p:spPr bwMode="auto">
+          <a:xfrm>
+            <a:off x="5180935" y="3453717"/>
+            <a:ext cx="2000250" cy="2286000"/>
+          </a:xfrm>
+          <a:prstGeom prst="rect">
+            <a:avLst/>
+          </a:prstGeom>
+          <a:noFill/>
+          <a:extLst>
+            <a:ext uri="{909E8E84-426E-40DD-AFC4-6F175D3DCCD1}">
+              <a14:hiddenFill xmlns:a14="http://schemas.microsoft.com/office/drawing/2010/main">
+                <a:solidFill>
+                  <a:srgbClr val="FFFFFF"/>
+                </a:solidFill>
+              </a14:hiddenFill>
+            </a:ext>
+          </a:extLst>
+        </p:spPr>
+      </p:pic>
+    </p:spTree>
+    <p:extLst>
+      <p:ext uri="{BB962C8B-B14F-4D97-AF65-F5344CB8AC3E}">
+        <p14:creationId xmlns:p14="http://schemas.microsoft.com/office/powerpoint/2010/main" val="1553183669"/>
       </p:ext>
     </p:extLst>
   </p:cSld>

--- a/Presentation/Car Parking Assistant.pptx
+++ b/Presentation/Car Parking Assistant.pptx
@@ -10,10 +10,11 @@
     <p:sldId id="263" r:id="rId4"/>
     <p:sldId id="259" r:id="rId5"/>
     <p:sldId id="264" r:id="rId6"/>
-    <p:sldId id="257" r:id="rId7"/>
-    <p:sldId id="258" r:id="rId8"/>
-    <p:sldId id="260" r:id="rId9"/>
-    <p:sldId id="261" r:id="rId10"/>
+    <p:sldId id="265" r:id="rId7"/>
+    <p:sldId id="257" r:id="rId8"/>
+    <p:sldId id="258" r:id="rId9"/>
+    <p:sldId id="260" r:id="rId10"/>
+    <p:sldId id="261" r:id="rId11"/>
   </p:sldIdLst>
   <p:sldSz cx="12192000" cy="6858000"/>
   <p:notesSz cx="6858000" cy="9144000"/>
@@ -3415,6 +3416,225 @@
 </p:sld>
 </file>
 
+<file path=ppt/slides/slide10.xml><?xml version="1.0" encoding="utf-8"?>
+<p:sld xmlns:a="http://schemas.openxmlformats.org/drawingml/2006/main" xmlns:r="http://schemas.openxmlformats.org/officeDocument/2006/relationships" xmlns:p="http://schemas.openxmlformats.org/presentationml/2006/main">
+  <p:cSld>
+    <p:spTree>
+      <p:nvGrpSpPr>
+        <p:cNvPr id="1" name=""/>
+        <p:cNvGrpSpPr/>
+        <p:nvPr/>
+      </p:nvGrpSpPr>
+      <p:grpSpPr>
+        <a:xfrm>
+          <a:off x="0" y="0"/>
+          <a:ext cx="0" cy="0"/>
+          <a:chOff x="0" y="0"/>
+          <a:chExt cx="0" cy="0"/>
+        </a:xfrm>
+      </p:grpSpPr>
+      <p:sp>
+        <p:nvSpPr>
+          <p:cNvPr id="2" name="Nadpis 1">
+            <a:extLst>
+              <a:ext uri="{FF2B5EF4-FFF2-40B4-BE49-F238E27FC236}">
+                <a16:creationId xmlns:a16="http://schemas.microsoft.com/office/drawing/2014/main" id="{A932D6CF-95AA-4D06-9D8F-775D1CEDFCD1}"/>
+              </a:ext>
+            </a:extLst>
+          </p:cNvPr>
+          <p:cNvSpPr>
+            <a:spLocks noGrp="1"/>
+          </p:cNvSpPr>
+          <p:nvPr>
+            <p:ph type="title"/>
+          </p:nvPr>
+        </p:nvSpPr>
+        <p:spPr/>
+        <p:txBody>
+          <a:bodyPr/>
+          <a:lstStyle/>
+          <a:p>
+            <a:r>
+              <a:rPr lang="cs-CZ" dirty="0" err="1"/>
+              <a:t>Future</a:t>
+            </a:r>
+            <a:r>
+              <a:rPr lang="cs-CZ" dirty="0"/>
+              <a:t> </a:t>
+            </a:r>
+            <a:r>
+              <a:rPr lang="cs-CZ" dirty="0" err="1"/>
+              <a:t>features</a:t>
+            </a:r>
+            <a:endParaRPr lang="cs-CZ" dirty="0"/>
+          </a:p>
+        </p:txBody>
+      </p:sp>
+      <p:sp>
+        <p:nvSpPr>
+          <p:cNvPr id="3" name="Zástupný symbol pro obsah 2">
+            <a:extLst>
+              <a:ext uri="{FF2B5EF4-FFF2-40B4-BE49-F238E27FC236}">
+                <a16:creationId xmlns:a16="http://schemas.microsoft.com/office/drawing/2014/main" id="{4FB938AB-7585-42F2-AD4F-52AC35CEA07A}"/>
+              </a:ext>
+            </a:extLst>
+          </p:cNvPr>
+          <p:cNvSpPr>
+            <a:spLocks noGrp="1"/>
+          </p:cNvSpPr>
+          <p:nvPr>
+            <p:ph idx="1"/>
+          </p:nvPr>
+        </p:nvSpPr>
+        <p:spPr/>
+        <p:txBody>
+          <a:bodyPr/>
+          <a:lstStyle/>
+          <a:p>
+            <a:r>
+              <a:rPr lang="cs-CZ" dirty="0" err="1"/>
+              <a:t>Wireless</a:t>
+            </a:r>
+            <a:r>
+              <a:rPr lang="cs-CZ" dirty="0"/>
+              <a:t> </a:t>
+            </a:r>
+            <a:r>
+              <a:rPr lang="cs-CZ" dirty="0" err="1"/>
+              <a:t>communication</a:t>
+            </a:r>
+            <a:r>
+              <a:rPr lang="cs-CZ" dirty="0"/>
+              <a:t> </a:t>
+            </a:r>
+            <a:r>
+              <a:rPr lang="cs-CZ" dirty="0" err="1"/>
+              <a:t>through</a:t>
+            </a:r>
+            <a:r>
+              <a:rPr lang="cs-CZ" dirty="0"/>
+              <a:t> IQRF</a:t>
+            </a:r>
+          </a:p>
+          <a:p>
+            <a:r>
+              <a:rPr lang="cs-CZ" dirty="0" err="1"/>
+              <a:t>Communication</a:t>
+            </a:r>
+            <a:r>
+              <a:rPr lang="cs-CZ" dirty="0"/>
+              <a:t> </a:t>
+            </a:r>
+            <a:r>
+              <a:rPr lang="cs-CZ" dirty="0" err="1"/>
+              <a:t>with</a:t>
+            </a:r>
+            <a:r>
+              <a:rPr lang="cs-CZ" dirty="0"/>
+              <a:t> cell </a:t>
+            </a:r>
+            <a:r>
+              <a:rPr lang="cs-CZ" dirty="0" err="1"/>
+              <a:t>prone</a:t>
+            </a:r>
+            <a:r>
+              <a:rPr lang="cs-CZ" dirty="0"/>
+              <a:t> </a:t>
+            </a:r>
+            <a:r>
+              <a:rPr lang="cs-CZ" dirty="0" err="1"/>
+              <a:t>through</a:t>
+            </a:r>
+            <a:r>
+              <a:rPr lang="cs-CZ" dirty="0"/>
+              <a:t> NFC</a:t>
+            </a:r>
+          </a:p>
+          <a:p>
+            <a:r>
+              <a:rPr lang="cs-CZ" dirty="0" err="1"/>
+              <a:t>Pay</a:t>
+            </a:r>
+            <a:r>
+              <a:rPr lang="cs-CZ" dirty="0"/>
+              <a:t> </a:t>
+            </a:r>
+            <a:r>
+              <a:rPr lang="cs-CZ" dirty="0" err="1"/>
+              <a:t>for</a:t>
+            </a:r>
+            <a:r>
+              <a:rPr lang="cs-CZ" dirty="0"/>
+              <a:t> parking by cell </a:t>
+            </a:r>
+            <a:r>
+              <a:rPr lang="cs-CZ" dirty="0" err="1"/>
+              <a:t>phone</a:t>
+            </a:r>
+            <a:endParaRPr lang="cs-CZ" dirty="0"/>
+          </a:p>
+        </p:txBody>
+      </p:sp>
+      <p:pic>
+        <p:nvPicPr>
+          <p:cNvPr id="4" name="Picture 2" descr="Výsledek obrázku pro navigation QR code">
+            <a:extLst>
+              <a:ext uri="{FF2B5EF4-FFF2-40B4-BE49-F238E27FC236}">
+                <a16:creationId xmlns:a16="http://schemas.microsoft.com/office/drawing/2014/main" id="{64CCAF3A-F68C-4812-A0C4-FD9D069B8DC9}"/>
+              </a:ext>
+            </a:extLst>
+          </p:cNvPr>
+          <p:cNvPicPr>
+            <a:picLocks noChangeAspect="1" noChangeArrowheads="1"/>
+          </p:cNvPicPr>
+          <p:nvPr/>
+        </p:nvPicPr>
+        <p:blipFill>
+          <a:blip r:embed="rId2">
+            <a:extLst>
+              <a:ext uri="{28A0092B-C50C-407E-A947-70E740481C1C}">
+                <a14:useLocalDpi xmlns:a14="http://schemas.microsoft.com/office/drawing/2010/main" val="0"/>
+              </a:ext>
+            </a:extLst>
+          </a:blip>
+          <a:srcRect/>
+          <a:stretch>
+            <a:fillRect/>
+          </a:stretch>
+        </p:blipFill>
+        <p:spPr bwMode="auto">
+          <a:xfrm>
+            <a:off x="5180935" y="3453717"/>
+            <a:ext cx="2000250" cy="2286000"/>
+          </a:xfrm>
+          <a:prstGeom prst="rect">
+            <a:avLst/>
+          </a:prstGeom>
+          <a:noFill/>
+          <a:extLst>
+            <a:ext uri="{909E8E84-426E-40DD-AFC4-6F175D3DCCD1}">
+              <a14:hiddenFill xmlns:a14="http://schemas.microsoft.com/office/drawing/2010/main">
+                <a:solidFill>
+                  <a:srgbClr val="FFFFFF"/>
+                </a:solidFill>
+              </a14:hiddenFill>
+            </a:ext>
+          </a:extLst>
+        </p:spPr>
+      </p:pic>
+    </p:spTree>
+    <p:extLst>
+      <p:ext uri="{BB962C8B-B14F-4D97-AF65-F5344CB8AC3E}">
+        <p14:creationId xmlns:p14="http://schemas.microsoft.com/office/powerpoint/2010/main" val="1553183669"/>
+      </p:ext>
+    </p:extLst>
+  </p:cSld>
+  <p:clrMapOvr>
+    <a:masterClrMapping/>
+  </p:clrMapOvr>
+</p:sld>
+</file>
+
 <file path=ppt/slides/slide2.xml><?xml version="1.0" encoding="utf-8"?>
 <p:sld xmlns:a="http://schemas.openxmlformats.org/drawingml/2006/main" xmlns:r="http://schemas.openxmlformats.org/officeDocument/2006/relationships" xmlns:p="http://schemas.openxmlformats.org/presentationml/2006/main">
   <p:cSld>
@@ -3867,9 +4087,18 @@
           <a:lstStyle/>
           <a:p>
             <a:r>
-              <a:rPr lang="cs-CZ" dirty="0"/>
-              <a:t>Navigace pomocí QR - kódu</a:t>
-            </a:r>
+              <a:rPr lang="cs-CZ" dirty="0" err="1"/>
+              <a:t>Navigation</a:t>
+            </a:r>
+            <a:r>
+              <a:rPr lang="cs-CZ" dirty="0"/>
+              <a:t> by QR - </a:t>
+            </a:r>
+            <a:r>
+              <a:rPr lang="cs-CZ" dirty="0" err="1"/>
+              <a:t>code</a:t>
+            </a:r>
+            <a:endParaRPr lang="cs-CZ" dirty="0"/>
           </a:p>
         </p:txBody>
       </p:sp>
@@ -4162,7 +4391,11 @@
           <a:bodyPr/>
           <a:lstStyle/>
           <a:p>
-            <a:endParaRPr lang="cs-CZ"/>
+            <a:r>
+              <a:rPr lang="cs-CZ" dirty="0" err="1"/>
+              <a:t>Statistics</a:t>
+            </a:r>
+            <a:endParaRPr lang="cs-CZ" dirty="0"/>
           </a:p>
         </p:txBody>
       </p:sp>
@@ -4187,7 +4420,86 @@
           <a:bodyPr/>
           <a:lstStyle/>
           <a:p>
-            <a:endParaRPr lang="cs-CZ"/>
+            <a:r>
+              <a:rPr lang="cs-CZ" dirty="0" err="1"/>
+              <a:t>Duration</a:t>
+            </a:r>
+            <a:r>
+              <a:rPr lang="cs-CZ" dirty="0"/>
+              <a:t> (</a:t>
+            </a:r>
+            <a:r>
+              <a:rPr lang="cs-CZ" dirty="0" err="1"/>
+              <a:t>how</a:t>
+            </a:r>
+            <a:r>
+              <a:rPr lang="cs-CZ" dirty="0"/>
+              <a:t> long </a:t>
+            </a:r>
+            <a:r>
+              <a:rPr lang="cs-CZ" dirty="0" err="1"/>
+              <a:t>time</a:t>
+            </a:r>
+            <a:r>
+              <a:rPr lang="cs-CZ" dirty="0"/>
+              <a:t> </a:t>
+            </a:r>
+            <a:r>
+              <a:rPr lang="cs-CZ" dirty="0" err="1"/>
+              <a:t>spend</a:t>
+            </a:r>
+            <a:r>
+              <a:rPr lang="cs-CZ" dirty="0"/>
+              <a:t> </a:t>
+            </a:r>
+            <a:r>
+              <a:rPr lang="cs-CZ" dirty="0" err="1"/>
+              <a:t>customer</a:t>
+            </a:r>
+            <a:r>
+              <a:rPr lang="cs-CZ" dirty="0"/>
+              <a:t> in </a:t>
+            </a:r>
+            <a:r>
+              <a:rPr lang="cs-CZ" dirty="0" err="1"/>
+              <a:t>shops</a:t>
+            </a:r>
+            <a:r>
+              <a:rPr lang="cs-CZ" dirty="0"/>
+              <a:t>) / </a:t>
+            </a:r>
+            <a:r>
+              <a:rPr lang="cs-CZ" dirty="0" err="1"/>
+              <a:t>amount</a:t>
+            </a:r>
+            <a:r>
+              <a:rPr lang="cs-CZ" dirty="0"/>
+              <a:t> </a:t>
+            </a:r>
+            <a:r>
+              <a:rPr lang="cs-CZ" dirty="0" err="1"/>
+              <a:t>of</a:t>
+            </a:r>
+            <a:r>
+              <a:rPr lang="cs-CZ" dirty="0"/>
+              <a:t> </a:t>
+            </a:r>
+            <a:r>
+              <a:rPr lang="cs-CZ" dirty="0" err="1"/>
+              <a:t>spend</a:t>
+            </a:r>
+            <a:r>
+              <a:rPr lang="cs-CZ" dirty="0"/>
+              <a:t> </a:t>
+            </a:r>
+            <a:r>
+              <a:rPr lang="cs-CZ" dirty="0" err="1"/>
+              <a:t>money</a:t>
+            </a:r>
+            <a:endParaRPr lang="cs-CZ" dirty="0"/>
+          </a:p>
+          <a:p>
+            <a:endParaRPr lang="cs-CZ" dirty="0"/>
           </a:p>
         </p:txBody>
       </p:sp>
@@ -4223,6 +4535,1580 @@
       </p:grpSpPr>
       <p:sp>
         <p:nvSpPr>
+          <p:cNvPr id="10" name="Ovál 9">
+            <a:extLst>
+              <a:ext uri="{FF2B5EF4-FFF2-40B4-BE49-F238E27FC236}">
+                <a16:creationId xmlns:a16="http://schemas.microsoft.com/office/drawing/2014/main" id="{35C1B7F7-5DA4-4EB8-B849-A388EB018CB5}"/>
+              </a:ext>
+            </a:extLst>
+          </p:cNvPr>
+          <p:cNvSpPr/>
+          <p:nvPr/>
+        </p:nvSpPr>
+        <p:spPr>
+          <a:xfrm>
+            <a:off x="10129281" y="3242043"/>
+            <a:ext cx="1084521" cy="435935"/>
+          </a:xfrm>
+          <a:prstGeom prst="ellipse">
+            <a:avLst/>
+          </a:prstGeom>
+        </p:spPr>
+        <p:style>
+          <a:lnRef idx="2">
+            <a:schemeClr val="accent1">
+              <a:shade val="50000"/>
+            </a:schemeClr>
+          </a:lnRef>
+          <a:fillRef idx="1">
+            <a:schemeClr val="accent1"/>
+          </a:fillRef>
+          <a:effectRef idx="0">
+            <a:schemeClr val="accent1"/>
+          </a:effectRef>
+          <a:fontRef idx="minor">
+            <a:schemeClr val="lt1"/>
+          </a:fontRef>
+        </p:style>
+        <p:txBody>
+          <a:bodyPr rtlCol="0" anchor="ctr"/>
+          <a:lstStyle/>
+          <a:p>
+            <a:pPr algn="ctr"/>
+            <a:endParaRPr lang="cs-CZ"/>
+          </a:p>
+        </p:txBody>
+      </p:sp>
+      <p:sp>
+        <p:nvSpPr>
+          <p:cNvPr id="4" name="Obdélník 3">
+            <a:extLst>
+              <a:ext uri="{FF2B5EF4-FFF2-40B4-BE49-F238E27FC236}">
+                <a16:creationId xmlns:a16="http://schemas.microsoft.com/office/drawing/2014/main" id="{35AFCCC0-FE7D-4CFD-9FFA-B5026AA4CD07}"/>
+              </a:ext>
+            </a:extLst>
+          </p:cNvPr>
+          <p:cNvSpPr/>
+          <p:nvPr/>
+        </p:nvSpPr>
+        <p:spPr>
+          <a:xfrm>
+            <a:off x="967563" y="659219"/>
+            <a:ext cx="1488558" cy="956930"/>
+          </a:xfrm>
+          <a:prstGeom prst="rect">
+            <a:avLst/>
+          </a:prstGeom>
+        </p:spPr>
+        <p:style>
+          <a:lnRef idx="2">
+            <a:schemeClr val="accent1">
+              <a:shade val="50000"/>
+            </a:schemeClr>
+          </a:lnRef>
+          <a:fillRef idx="1">
+            <a:schemeClr val="accent1"/>
+          </a:fillRef>
+          <a:effectRef idx="0">
+            <a:schemeClr val="accent1"/>
+          </a:effectRef>
+          <a:fontRef idx="minor">
+            <a:schemeClr val="lt1"/>
+          </a:fontRef>
+        </p:style>
+        <p:txBody>
+          <a:bodyPr rtlCol="0" anchor="ctr"/>
+          <a:lstStyle/>
+          <a:p>
+            <a:pPr algn="ctr"/>
+            <a:r>
+              <a:rPr lang="cs-CZ" dirty="0"/>
+              <a:t>Node MCU I.</a:t>
+            </a:r>
+          </a:p>
+        </p:txBody>
+      </p:sp>
+      <p:sp>
+        <p:nvSpPr>
+          <p:cNvPr id="5" name="Obdélník 4">
+            <a:extLst>
+              <a:ext uri="{FF2B5EF4-FFF2-40B4-BE49-F238E27FC236}">
+                <a16:creationId xmlns:a16="http://schemas.microsoft.com/office/drawing/2014/main" id="{99C143ED-1934-4A81-9A86-FC8E596F67E2}"/>
+              </a:ext>
+            </a:extLst>
+          </p:cNvPr>
+          <p:cNvSpPr/>
+          <p:nvPr/>
+        </p:nvSpPr>
+        <p:spPr>
+          <a:xfrm>
+            <a:off x="2746745" y="659219"/>
+            <a:ext cx="1488558" cy="956930"/>
+          </a:xfrm>
+          <a:prstGeom prst="rect">
+            <a:avLst/>
+          </a:prstGeom>
+        </p:spPr>
+        <p:style>
+          <a:lnRef idx="2">
+            <a:schemeClr val="accent1">
+              <a:shade val="50000"/>
+            </a:schemeClr>
+          </a:lnRef>
+          <a:fillRef idx="1">
+            <a:schemeClr val="accent1"/>
+          </a:fillRef>
+          <a:effectRef idx="0">
+            <a:schemeClr val="accent1"/>
+          </a:effectRef>
+          <a:fontRef idx="minor">
+            <a:schemeClr val="lt1"/>
+          </a:fontRef>
+        </p:style>
+        <p:txBody>
+          <a:bodyPr rtlCol="0" anchor="ctr"/>
+          <a:lstStyle/>
+          <a:p>
+            <a:pPr algn="ctr"/>
+            <a:r>
+              <a:rPr lang="cs-CZ" dirty="0"/>
+              <a:t>Node MCU II.</a:t>
+            </a:r>
+          </a:p>
+        </p:txBody>
+      </p:sp>
+      <p:sp>
+        <p:nvSpPr>
+          <p:cNvPr id="6" name="Obdélník 5">
+            <a:extLst>
+              <a:ext uri="{FF2B5EF4-FFF2-40B4-BE49-F238E27FC236}">
+                <a16:creationId xmlns:a16="http://schemas.microsoft.com/office/drawing/2014/main" id="{C10296B2-1728-4E1C-AC91-1D24D0FF00E4}"/>
+              </a:ext>
+            </a:extLst>
+          </p:cNvPr>
+          <p:cNvSpPr/>
+          <p:nvPr/>
+        </p:nvSpPr>
+        <p:spPr>
+          <a:xfrm>
+            <a:off x="5085907" y="659219"/>
+            <a:ext cx="1488558" cy="956930"/>
+          </a:xfrm>
+          <a:prstGeom prst="rect">
+            <a:avLst/>
+          </a:prstGeom>
+        </p:spPr>
+        <p:style>
+          <a:lnRef idx="2">
+            <a:schemeClr val="accent1">
+              <a:shade val="50000"/>
+            </a:schemeClr>
+          </a:lnRef>
+          <a:fillRef idx="1">
+            <a:schemeClr val="accent1"/>
+          </a:fillRef>
+          <a:effectRef idx="0">
+            <a:schemeClr val="accent1"/>
+          </a:effectRef>
+          <a:fontRef idx="minor">
+            <a:schemeClr val="lt1"/>
+          </a:fontRef>
+        </p:style>
+        <p:txBody>
+          <a:bodyPr rtlCol="0" anchor="ctr"/>
+          <a:lstStyle/>
+          <a:p>
+            <a:pPr algn="ctr"/>
+            <a:r>
+              <a:rPr lang="cs-CZ" dirty="0"/>
+              <a:t>Node MCU n</a:t>
+            </a:r>
+          </a:p>
+        </p:txBody>
+      </p:sp>
+      <p:sp>
+        <p:nvSpPr>
+          <p:cNvPr id="7" name="Obdélník 6">
+            <a:extLst>
+              <a:ext uri="{FF2B5EF4-FFF2-40B4-BE49-F238E27FC236}">
+                <a16:creationId xmlns:a16="http://schemas.microsoft.com/office/drawing/2014/main" id="{E6442946-9490-4791-A08B-AD7440DE778D}"/>
+              </a:ext>
+            </a:extLst>
+          </p:cNvPr>
+          <p:cNvSpPr/>
+          <p:nvPr/>
+        </p:nvSpPr>
+        <p:spPr>
+          <a:xfrm>
+            <a:off x="7425069" y="659219"/>
+            <a:ext cx="1743740" cy="956930"/>
+          </a:xfrm>
+          <a:prstGeom prst="rect">
+            <a:avLst/>
+          </a:prstGeom>
+        </p:spPr>
+        <p:style>
+          <a:lnRef idx="2">
+            <a:schemeClr val="accent1">
+              <a:shade val="50000"/>
+            </a:schemeClr>
+          </a:lnRef>
+          <a:fillRef idx="1">
+            <a:schemeClr val="accent1"/>
+          </a:fillRef>
+          <a:effectRef idx="0">
+            <a:schemeClr val="accent1"/>
+          </a:effectRef>
+          <a:fontRef idx="minor">
+            <a:schemeClr val="lt1"/>
+          </a:fontRef>
+        </p:style>
+        <p:txBody>
+          <a:bodyPr rtlCol="0" anchor="ctr"/>
+          <a:lstStyle/>
+          <a:p>
+            <a:pPr algn="ctr"/>
+            <a:r>
+              <a:rPr lang="cs-CZ" dirty="0" err="1"/>
+              <a:t>IoT</a:t>
+            </a:r>
+            <a:r>
+              <a:rPr lang="cs-CZ" dirty="0"/>
+              <a:t> HUB</a:t>
+            </a:r>
+          </a:p>
+        </p:txBody>
+      </p:sp>
+      <p:sp>
+        <p:nvSpPr>
+          <p:cNvPr id="8" name="Obdélník 7">
+            <a:extLst>
+              <a:ext uri="{FF2B5EF4-FFF2-40B4-BE49-F238E27FC236}">
+                <a16:creationId xmlns:a16="http://schemas.microsoft.com/office/drawing/2014/main" id="{53399112-E5DA-4837-A2AA-1014691BC432}"/>
+              </a:ext>
+            </a:extLst>
+          </p:cNvPr>
+          <p:cNvSpPr/>
+          <p:nvPr/>
+        </p:nvSpPr>
+        <p:spPr>
+          <a:xfrm>
+            <a:off x="9799673" y="659219"/>
+            <a:ext cx="1743740" cy="956929"/>
+          </a:xfrm>
+          <a:prstGeom prst="rect">
+            <a:avLst/>
+          </a:prstGeom>
+        </p:spPr>
+        <p:style>
+          <a:lnRef idx="2">
+            <a:schemeClr val="accent1">
+              <a:shade val="50000"/>
+            </a:schemeClr>
+          </a:lnRef>
+          <a:fillRef idx="1">
+            <a:schemeClr val="accent1"/>
+          </a:fillRef>
+          <a:effectRef idx="0">
+            <a:schemeClr val="accent1"/>
+          </a:effectRef>
+          <a:fontRef idx="minor">
+            <a:schemeClr val="lt1"/>
+          </a:fontRef>
+        </p:style>
+        <p:txBody>
+          <a:bodyPr rtlCol="0" anchor="ctr"/>
+          <a:lstStyle/>
+          <a:p>
+            <a:pPr algn="ctr"/>
+            <a:r>
+              <a:rPr lang="cs-CZ" dirty="0" err="1"/>
+              <a:t>Function</a:t>
+            </a:r>
+            <a:r>
+              <a:rPr lang="cs-CZ" dirty="0"/>
+              <a:t> </a:t>
+            </a:r>
+            <a:r>
+              <a:rPr lang="cs-CZ" dirty="0" err="1"/>
+              <a:t>App</a:t>
+            </a:r>
+            <a:endParaRPr lang="cs-CZ" dirty="0"/>
+          </a:p>
+        </p:txBody>
+      </p:sp>
+      <p:sp>
+        <p:nvSpPr>
+          <p:cNvPr id="11" name="Obdélník 10">
+            <a:extLst>
+              <a:ext uri="{FF2B5EF4-FFF2-40B4-BE49-F238E27FC236}">
+                <a16:creationId xmlns:a16="http://schemas.microsoft.com/office/drawing/2014/main" id="{71993F20-F9F4-435A-87E3-1EF29300674B}"/>
+              </a:ext>
+            </a:extLst>
+          </p:cNvPr>
+          <p:cNvSpPr/>
+          <p:nvPr/>
+        </p:nvSpPr>
+        <p:spPr>
+          <a:xfrm>
+            <a:off x="10129281" y="2683834"/>
+            <a:ext cx="1084521" cy="776177"/>
+          </a:xfrm>
+          <a:prstGeom prst="rect">
+            <a:avLst/>
+          </a:prstGeom>
+          <a:ln>
+            <a:noFill/>
+          </a:ln>
+        </p:spPr>
+        <p:style>
+          <a:lnRef idx="2">
+            <a:schemeClr val="accent1">
+              <a:shade val="50000"/>
+            </a:schemeClr>
+          </a:lnRef>
+          <a:fillRef idx="1">
+            <a:schemeClr val="accent1"/>
+          </a:fillRef>
+          <a:effectRef idx="0">
+            <a:schemeClr val="accent1"/>
+          </a:effectRef>
+          <a:fontRef idx="minor">
+            <a:schemeClr val="lt1"/>
+          </a:fontRef>
+        </p:style>
+        <p:txBody>
+          <a:bodyPr rtlCol="0" anchor="ctr"/>
+          <a:lstStyle/>
+          <a:p>
+            <a:pPr algn="ctr"/>
+            <a:r>
+              <a:rPr lang="cs-CZ" dirty="0"/>
+              <a:t>SQL DB</a:t>
+            </a:r>
+          </a:p>
+        </p:txBody>
+      </p:sp>
+      <p:sp>
+        <p:nvSpPr>
+          <p:cNvPr id="9" name="Ovál 8">
+            <a:extLst>
+              <a:ext uri="{FF2B5EF4-FFF2-40B4-BE49-F238E27FC236}">
+                <a16:creationId xmlns:a16="http://schemas.microsoft.com/office/drawing/2014/main" id="{1F033478-6775-44E8-AABA-1F22F6FCEEB1}"/>
+              </a:ext>
+            </a:extLst>
+          </p:cNvPr>
+          <p:cNvSpPr/>
+          <p:nvPr/>
+        </p:nvSpPr>
+        <p:spPr>
+          <a:xfrm>
+            <a:off x="10129282" y="2503080"/>
+            <a:ext cx="1084521" cy="435935"/>
+          </a:xfrm>
+          <a:prstGeom prst="ellipse">
+            <a:avLst/>
+          </a:prstGeom>
+        </p:spPr>
+        <p:style>
+          <a:lnRef idx="2">
+            <a:schemeClr val="accent1">
+              <a:shade val="50000"/>
+            </a:schemeClr>
+          </a:lnRef>
+          <a:fillRef idx="1">
+            <a:schemeClr val="accent1"/>
+          </a:fillRef>
+          <a:effectRef idx="0">
+            <a:schemeClr val="accent1"/>
+          </a:effectRef>
+          <a:fontRef idx="minor">
+            <a:schemeClr val="lt1"/>
+          </a:fontRef>
+        </p:style>
+        <p:txBody>
+          <a:bodyPr rtlCol="0" anchor="ctr"/>
+          <a:lstStyle/>
+          <a:p>
+            <a:pPr algn="ctr"/>
+            <a:endParaRPr lang="cs-CZ"/>
+          </a:p>
+        </p:txBody>
+      </p:sp>
+      <p:sp>
+        <p:nvSpPr>
+          <p:cNvPr id="12" name="Obdélník 11">
+            <a:extLst>
+              <a:ext uri="{FF2B5EF4-FFF2-40B4-BE49-F238E27FC236}">
+                <a16:creationId xmlns:a16="http://schemas.microsoft.com/office/drawing/2014/main" id="{AE5E3EF3-EBD0-4BF5-A2BC-C48C5531BBE7}"/>
+              </a:ext>
+            </a:extLst>
+          </p:cNvPr>
+          <p:cNvSpPr/>
+          <p:nvPr/>
+        </p:nvSpPr>
+        <p:spPr>
+          <a:xfrm>
+            <a:off x="9799673" y="4564910"/>
+            <a:ext cx="1743740" cy="1116419"/>
+          </a:xfrm>
+          <a:prstGeom prst="rect">
+            <a:avLst/>
+          </a:prstGeom>
+        </p:spPr>
+        <p:style>
+          <a:lnRef idx="2">
+            <a:schemeClr val="accent1">
+              <a:shade val="50000"/>
+            </a:schemeClr>
+          </a:lnRef>
+          <a:fillRef idx="1">
+            <a:schemeClr val="accent1"/>
+          </a:fillRef>
+          <a:effectRef idx="0">
+            <a:schemeClr val="accent1"/>
+          </a:effectRef>
+          <a:fontRef idx="minor">
+            <a:schemeClr val="lt1"/>
+          </a:fontRef>
+        </p:style>
+        <p:txBody>
+          <a:bodyPr rtlCol="0" anchor="ctr"/>
+          <a:lstStyle/>
+          <a:p>
+            <a:pPr algn="ctr"/>
+            <a:r>
+              <a:rPr lang="cs-CZ" dirty="0" err="1"/>
+              <a:t>Function</a:t>
+            </a:r>
+            <a:r>
+              <a:rPr lang="cs-CZ" dirty="0"/>
+              <a:t> </a:t>
+            </a:r>
+            <a:r>
+              <a:rPr lang="cs-CZ" dirty="0" err="1"/>
+              <a:t>App</a:t>
+            </a:r>
+            <a:endParaRPr lang="cs-CZ" dirty="0"/>
+          </a:p>
+        </p:txBody>
+      </p:sp>
+      <p:sp>
+        <p:nvSpPr>
+          <p:cNvPr id="13" name="Šipka: dolů 12">
+            <a:extLst>
+              <a:ext uri="{FF2B5EF4-FFF2-40B4-BE49-F238E27FC236}">
+                <a16:creationId xmlns:a16="http://schemas.microsoft.com/office/drawing/2014/main" id="{FDB49F09-EEFE-485C-ABC3-3044411B66EF}"/>
+              </a:ext>
+            </a:extLst>
+          </p:cNvPr>
+          <p:cNvSpPr/>
+          <p:nvPr/>
+        </p:nvSpPr>
+        <p:spPr>
+          <a:xfrm>
+            <a:off x="10419907" y="1775637"/>
+            <a:ext cx="563526" cy="595423"/>
+          </a:xfrm>
+          <a:prstGeom prst="downArrow">
+            <a:avLst/>
+          </a:prstGeom>
+        </p:spPr>
+        <p:style>
+          <a:lnRef idx="2">
+            <a:schemeClr val="accent1">
+              <a:shade val="50000"/>
+            </a:schemeClr>
+          </a:lnRef>
+          <a:fillRef idx="1">
+            <a:schemeClr val="accent1"/>
+          </a:fillRef>
+          <a:effectRef idx="0">
+            <a:schemeClr val="accent1"/>
+          </a:effectRef>
+          <a:fontRef idx="minor">
+            <a:schemeClr val="lt1"/>
+          </a:fontRef>
+        </p:style>
+        <p:txBody>
+          <a:bodyPr rtlCol="0" anchor="ctr"/>
+          <a:lstStyle/>
+          <a:p>
+            <a:pPr algn="ctr"/>
+            <a:endParaRPr lang="cs-CZ"/>
+          </a:p>
+        </p:txBody>
+      </p:sp>
+      <p:sp>
+        <p:nvSpPr>
+          <p:cNvPr id="14" name="Šipka: dolů 13">
+            <a:extLst>
+              <a:ext uri="{FF2B5EF4-FFF2-40B4-BE49-F238E27FC236}">
+                <a16:creationId xmlns:a16="http://schemas.microsoft.com/office/drawing/2014/main" id="{594B25ED-BF6D-456E-B2B7-7FD245F709AD}"/>
+              </a:ext>
+            </a:extLst>
+          </p:cNvPr>
+          <p:cNvSpPr/>
+          <p:nvPr/>
+        </p:nvSpPr>
+        <p:spPr>
+          <a:xfrm flipV="1">
+            <a:off x="10419907" y="3825947"/>
+            <a:ext cx="563526" cy="541813"/>
+          </a:xfrm>
+          <a:prstGeom prst="downArrow">
+            <a:avLst/>
+          </a:prstGeom>
+        </p:spPr>
+        <p:style>
+          <a:lnRef idx="2">
+            <a:schemeClr val="accent1">
+              <a:shade val="50000"/>
+            </a:schemeClr>
+          </a:lnRef>
+          <a:fillRef idx="1">
+            <a:schemeClr val="accent1"/>
+          </a:fillRef>
+          <a:effectRef idx="0">
+            <a:schemeClr val="accent1"/>
+          </a:effectRef>
+          <a:fontRef idx="minor">
+            <a:schemeClr val="lt1"/>
+          </a:fontRef>
+        </p:style>
+        <p:txBody>
+          <a:bodyPr rtlCol="0" anchor="ctr"/>
+          <a:lstStyle/>
+          <a:p>
+            <a:pPr algn="ctr"/>
+            <a:endParaRPr lang="cs-CZ"/>
+          </a:p>
+        </p:txBody>
+      </p:sp>
+      <p:sp>
+        <p:nvSpPr>
+          <p:cNvPr id="15" name="Obdélník 14">
+            <a:extLst>
+              <a:ext uri="{FF2B5EF4-FFF2-40B4-BE49-F238E27FC236}">
+                <a16:creationId xmlns:a16="http://schemas.microsoft.com/office/drawing/2014/main" id="{68EC4053-DC43-4ED8-BEAA-B1E7AF68838F}"/>
+              </a:ext>
+            </a:extLst>
+          </p:cNvPr>
+          <p:cNvSpPr/>
+          <p:nvPr/>
+        </p:nvSpPr>
+        <p:spPr>
+          <a:xfrm>
+            <a:off x="967563" y="2966477"/>
+            <a:ext cx="6507125" cy="2802566"/>
+          </a:xfrm>
+          <a:prstGeom prst="rect">
+            <a:avLst/>
+          </a:prstGeom>
+        </p:spPr>
+        <p:style>
+          <a:lnRef idx="2">
+            <a:schemeClr val="accent1">
+              <a:shade val="50000"/>
+            </a:schemeClr>
+          </a:lnRef>
+          <a:fillRef idx="1">
+            <a:schemeClr val="accent1"/>
+          </a:fillRef>
+          <a:effectRef idx="0">
+            <a:schemeClr val="accent1"/>
+          </a:effectRef>
+          <a:fontRef idx="minor">
+            <a:schemeClr val="lt1"/>
+          </a:fontRef>
+        </p:style>
+        <p:txBody>
+          <a:bodyPr rtlCol="0" anchor="ctr"/>
+          <a:lstStyle/>
+          <a:p>
+            <a:pPr algn="ctr"/>
+            <a:r>
+              <a:rPr lang="cs-CZ" dirty="0" err="1"/>
+              <a:t>Raspberry</a:t>
+            </a:r>
+            <a:r>
+              <a:rPr lang="cs-CZ" dirty="0"/>
+              <a:t> </a:t>
+            </a:r>
+            <a:r>
+              <a:rPr lang="cs-CZ" dirty="0" err="1"/>
+              <a:t>Pi</a:t>
+            </a:r>
+            <a:endParaRPr lang="cs-CZ" dirty="0"/>
+          </a:p>
+          <a:p>
+            <a:pPr algn="ctr"/>
+            <a:endParaRPr lang="cs-CZ" dirty="0"/>
+          </a:p>
+          <a:p>
+            <a:pPr algn="ctr"/>
+            <a:endParaRPr lang="cs-CZ" dirty="0"/>
+          </a:p>
+          <a:p>
+            <a:pPr algn="ctr"/>
+            <a:endParaRPr lang="cs-CZ" dirty="0"/>
+          </a:p>
+          <a:p>
+            <a:pPr algn="ctr"/>
+            <a:endParaRPr lang="cs-CZ" dirty="0"/>
+          </a:p>
+          <a:p>
+            <a:pPr algn="ctr"/>
+            <a:endParaRPr lang="cs-CZ" dirty="0"/>
+          </a:p>
+          <a:p>
+            <a:pPr algn="ctr"/>
+            <a:endParaRPr lang="cs-CZ" dirty="0"/>
+          </a:p>
+          <a:p>
+            <a:pPr algn="ctr"/>
+            <a:endParaRPr lang="cs-CZ" dirty="0"/>
+          </a:p>
+          <a:p>
+            <a:pPr algn="ctr"/>
+            <a:endParaRPr lang="cs-CZ" dirty="0"/>
+          </a:p>
+        </p:txBody>
+      </p:sp>
+      <p:sp>
+        <p:nvSpPr>
+          <p:cNvPr id="16" name="Obdélník 15">
+            <a:extLst>
+              <a:ext uri="{FF2B5EF4-FFF2-40B4-BE49-F238E27FC236}">
+                <a16:creationId xmlns:a16="http://schemas.microsoft.com/office/drawing/2014/main" id="{8787C706-A7D5-449E-9431-302A2F30A853}"/>
+              </a:ext>
+            </a:extLst>
+          </p:cNvPr>
+          <p:cNvSpPr/>
+          <p:nvPr/>
+        </p:nvSpPr>
+        <p:spPr>
+          <a:xfrm>
+            <a:off x="1310530" y="4063540"/>
+            <a:ext cx="2534366" cy="1430966"/>
+          </a:xfrm>
+          <a:prstGeom prst="rect">
+            <a:avLst/>
+          </a:prstGeom>
+          <a:solidFill>
+            <a:schemeClr val="accent4">
+              <a:lumMod val="40000"/>
+              <a:lumOff val="60000"/>
+            </a:schemeClr>
+          </a:solidFill>
+        </p:spPr>
+        <p:style>
+          <a:lnRef idx="2">
+            <a:schemeClr val="accent1">
+              <a:shade val="50000"/>
+            </a:schemeClr>
+          </a:lnRef>
+          <a:fillRef idx="1">
+            <a:schemeClr val="accent1"/>
+          </a:fillRef>
+          <a:effectRef idx="0">
+            <a:schemeClr val="accent1"/>
+          </a:effectRef>
+          <a:fontRef idx="minor">
+            <a:schemeClr val="lt1"/>
+          </a:fontRef>
+        </p:style>
+        <p:txBody>
+          <a:bodyPr rtlCol="0" anchor="ctr"/>
+          <a:lstStyle/>
+          <a:p>
+            <a:pPr algn="ctr"/>
+            <a:r>
+              <a:rPr lang="cs-CZ" dirty="0">
+                <a:solidFill>
+                  <a:schemeClr val="tx1"/>
+                </a:solidFill>
+              </a:rPr>
+              <a:t>Chrome</a:t>
+            </a:r>
+          </a:p>
+          <a:p>
+            <a:pPr algn="ctr"/>
+            <a:endParaRPr lang="cs-CZ" dirty="0">
+              <a:solidFill>
+                <a:schemeClr val="tx1"/>
+              </a:solidFill>
+            </a:endParaRPr>
+          </a:p>
+          <a:p>
+            <a:pPr algn="ctr"/>
+            <a:endParaRPr lang="cs-CZ" dirty="0">
+              <a:solidFill>
+                <a:schemeClr val="tx1"/>
+              </a:solidFill>
+            </a:endParaRPr>
+          </a:p>
+        </p:txBody>
+      </p:sp>
+      <p:sp>
+        <p:nvSpPr>
+          <p:cNvPr id="17" name="Obdélník 16">
+            <a:extLst>
+              <a:ext uri="{FF2B5EF4-FFF2-40B4-BE49-F238E27FC236}">
+                <a16:creationId xmlns:a16="http://schemas.microsoft.com/office/drawing/2014/main" id="{FE130A66-9450-4C0A-8E82-73F8C3770AC6}"/>
+              </a:ext>
+            </a:extLst>
+          </p:cNvPr>
+          <p:cNvSpPr/>
+          <p:nvPr/>
+        </p:nvSpPr>
+        <p:spPr>
+          <a:xfrm>
+            <a:off x="4527561" y="4063540"/>
+            <a:ext cx="2534366" cy="1430966"/>
+          </a:xfrm>
+          <a:prstGeom prst="rect">
+            <a:avLst/>
+          </a:prstGeom>
+          <a:solidFill>
+            <a:schemeClr val="accent4">
+              <a:lumMod val="40000"/>
+              <a:lumOff val="60000"/>
+            </a:schemeClr>
+          </a:solidFill>
+        </p:spPr>
+        <p:style>
+          <a:lnRef idx="2">
+            <a:schemeClr val="accent1">
+              <a:shade val="50000"/>
+            </a:schemeClr>
+          </a:lnRef>
+          <a:fillRef idx="1">
+            <a:schemeClr val="accent1"/>
+          </a:fillRef>
+          <a:effectRef idx="0">
+            <a:schemeClr val="accent1"/>
+          </a:effectRef>
+          <a:fontRef idx="minor">
+            <a:schemeClr val="lt1"/>
+          </a:fontRef>
+        </p:style>
+        <p:txBody>
+          <a:bodyPr rtlCol="0" anchor="ctr"/>
+          <a:lstStyle/>
+          <a:p>
+            <a:pPr algn="ctr"/>
+            <a:r>
+              <a:rPr lang="cs-CZ" dirty="0">
+                <a:solidFill>
+                  <a:schemeClr val="tx1"/>
+                </a:solidFill>
+              </a:rPr>
+              <a:t>Python</a:t>
+            </a:r>
+          </a:p>
+          <a:p>
+            <a:pPr algn="ctr"/>
+            <a:endParaRPr lang="cs-CZ" dirty="0">
+              <a:solidFill>
+                <a:schemeClr val="tx1"/>
+              </a:solidFill>
+            </a:endParaRPr>
+          </a:p>
+          <a:p>
+            <a:pPr algn="ctr"/>
+            <a:endParaRPr lang="cs-CZ" dirty="0">
+              <a:solidFill>
+                <a:schemeClr val="tx1"/>
+              </a:solidFill>
+            </a:endParaRPr>
+          </a:p>
+        </p:txBody>
+      </p:sp>
+      <p:cxnSp>
+        <p:nvCxnSpPr>
+          <p:cNvPr id="19" name="Přímá spojnice se šipkou 18">
+            <a:extLst>
+              <a:ext uri="{FF2B5EF4-FFF2-40B4-BE49-F238E27FC236}">
+                <a16:creationId xmlns:a16="http://schemas.microsoft.com/office/drawing/2014/main" id="{3ABD3DEB-23A3-4C4F-A3C9-95229E55D58C}"/>
+              </a:ext>
+            </a:extLst>
+          </p:cNvPr>
+          <p:cNvCxnSpPr/>
+          <p:nvPr/>
+        </p:nvCxnSpPr>
+        <p:spPr>
+          <a:xfrm>
+            <a:off x="3455582" y="5210833"/>
+            <a:ext cx="1397499" cy="0"/>
+          </a:xfrm>
+          <a:prstGeom prst="straightConnector1">
+            <a:avLst/>
+          </a:prstGeom>
+          <a:ln>
+            <a:tailEnd type="triangle"/>
+          </a:ln>
+        </p:spPr>
+        <p:style>
+          <a:lnRef idx="1">
+            <a:schemeClr val="dk1"/>
+          </a:lnRef>
+          <a:fillRef idx="0">
+            <a:schemeClr val="dk1"/>
+          </a:fillRef>
+          <a:effectRef idx="0">
+            <a:schemeClr val="dk1"/>
+          </a:effectRef>
+          <a:fontRef idx="minor">
+            <a:schemeClr val="tx1"/>
+          </a:fontRef>
+        </p:style>
+      </p:cxnSp>
+      <p:cxnSp>
+        <p:nvCxnSpPr>
+          <p:cNvPr id="20" name="Přímá spojnice se šipkou 19">
+            <a:extLst>
+              <a:ext uri="{FF2B5EF4-FFF2-40B4-BE49-F238E27FC236}">
+                <a16:creationId xmlns:a16="http://schemas.microsoft.com/office/drawing/2014/main" id="{0BA628E0-4BC4-4D39-A55B-EF82608E7EFB}"/>
+              </a:ext>
+            </a:extLst>
+          </p:cNvPr>
+          <p:cNvCxnSpPr>
+            <a:cxnSpLocks/>
+          </p:cNvCxnSpPr>
+          <p:nvPr/>
+        </p:nvCxnSpPr>
+        <p:spPr>
+          <a:xfrm flipH="1">
+            <a:off x="3518694" y="4652624"/>
+            <a:ext cx="1404861" cy="0"/>
+          </a:xfrm>
+          <a:prstGeom prst="straightConnector1">
+            <a:avLst/>
+          </a:prstGeom>
+          <a:ln>
+            <a:tailEnd type="triangle"/>
+          </a:ln>
+        </p:spPr>
+        <p:style>
+          <a:lnRef idx="1">
+            <a:schemeClr val="dk1"/>
+          </a:lnRef>
+          <a:fillRef idx="0">
+            <a:schemeClr val="dk1"/>
+          </a:fillRef>
+          <a:effectRef idx="0">
+            <a:schemeClr val="dk1"/>
+          </a:effectRef>
+          <a:fontRef idx="minor">
+            <a:schemeClr val="tx1"/>
+          </a:fontRef>
+        </p:style>
+      </p:cxnSp>
+      <p:sp>
+        <p:nvSpPr>
+          <p:cNvPr id="22" name="TextovéPole 21">
+            <a:extLst>
+              <a:ext uri="{FF2B5EF4-FFF2-40B4-BE49-F238E27FC236}">
+                <a16:creationId xmlns:a16="http://schemas.microsoft.com/office/drawing/2014/main" id="{CAA653DC-D49D-4ED0-A4C5-53F43D3CDC26}"/>
+              </a:ext>
+            </a:extLst>
+          </p:cNvPr>
+          <p:cNvSpPr txBox="1"/>
+          <p:nvPr/>
+        </p:nvSpPr>
+        <p:spPr>
+          <a:xfrm>
+            <a:off x="3863570" y="4263438"/>
+            <a:ext cx="648586" cy="369332"/>
+          </a:xfrm>
+          <a:prstGeom prst="rect">
+            <a:avLst/>
+          </a:prstGeom>
+          <a:noFill/>
+        </p:spPr>
+        <p:txBody>
+          <a:bodyPr wrap="square" rtlCol="0">
+            <a:spAutoFit/>
+          </a:bodyPr>
+          <a:lstStyle/>
+          <a:p>
+            <a:r>
+              <a:rPr lang="cs-CZ" dirty="0">
+                <a:solidFill>
+                  <a:schemeClr val="bg1"/>
+                </a:solidFill>
+              </a:rPr>
+              <a:t>http</a:t>
+            </a:r>
+          </a:p>
+        </p:txBody>
+      </p:sp>
+      <p:sp>
+        <p:nvSpPr>
+          <p:cNvPr id="23" name="TextovéPole 22">
+            <a:extLst>
+              <a:ext uri="{FF2B5EF4-FFF2-40B4-BE49-F238E27FC236}">
+                <a16:creationId xmlns:a16="http://schemas.microsoft.com/office/drawing/2014/main" id="{B1477BAD-00DC-40E6-AE63-62CCCF04A700}"/>
+              </a:ext>
+            </a:extLst>
+          </p:cNvPr>
+          <p:cNvSpPr txBox="1"/>
+          <p:nvPr/>
+        </p:nvSpPr>
+        <p:spPr>
+          <a:xfrm>
+            <a:off x="3844896" y="4841501"/>
+            <a:ext cx="648586" cy="369332"/>
+          </a:xfrm>
+          <a:prstGeom prst="rect">
+            <a:avLst/>
+          </a:prstGeom>
+          <a:noFill/>
+        </p:spPr>
+        <p:txBody>
+          <a:bodyPr wrap="square" rtlCol="0">
+            <a:spAutoFit/>
+          </a:bodyPr>
+          <a:lstStyle/>
+          <a:p>
+            <a:r>
+              <a:rPr lang="cs-CZ" dirty="0" err="1">
+                <a:solidFill>
+                  <a:schemeClr val="bg1"/>
+                </a:solidFill>
+              </a:rPr>
+              <a:t>Ajax</a:t>
+            </a:r>
+            <a:endParaRPr lang="cs-CZ" dirty="0">
+              <a:solidFill>
+                <a:schemeClr val="bg1"/>
+              </a:solidFill>
+            </a:endParaRPr>
+          </a:p>
+        </p:txBody>
+      </p:sp>
+      <p:sp>
+        <p:nvSpPr>
+          <p:cNvPr id="24" name="Obdélník 23">
+            <a:extLst>
+              <a:ext uri="{FF2B5EF4-FFF2-40B4-BE49-F238E27FC236}">
+                <a16:creationId xmlns:a16="http://schemas.microsoft.com/office/drawing/2014/main" id="{E6471B80-8BB0-4EE6-8583-6CD04850EAB2}"/>
+              </a:ext>
+            </a:extLst>
+          </p:cNvPr>
+          <p:cNvSpPr/>
+          <p:nvPr/>
+        </p:nvSpPr>
+        <p:spPr>
+          <a:xfrm>
+            <a:off x="6134440" y="4680923"/>
+            <a:ext cx="735010" cy="735010"/>
+          </a:xfrm>
+          <a:prstGeom prst="rect">
+            <a:avLst/>
+          </a:prstGeom>
+        </p:spPr>
+        <p:style>
+          <a:lnRef idx="2">
+            <a:schemeClr val="accent1">
+              <a:shade val="50000"/>
+            </a:schemeClr>
+          </a:lnRef>
+          <a:fillRef idx="1">
+            <a:schemeClr val="accent1"/>
+          </a:fillRef>
+          <a:effectRef idx="0">
+            <a:schemeClr val="accent1"/>
+          </a:effectRef>
+          <a:fontRef idx="minor">
+            <a:schemeClr val="lt1"/>
+          </a:fontRef>
+        </p:style>
+        <p:txBody>
+          <a:bodyPr rtlCol="0" anchor="ctr"/>
+          <a:lstStyle/>
+          <a:p>
+            <a:pPr algn="ctr"/>
+            <a:r>
+              <a:rPr lang="cs-CZ" dirty="0"/>
+              <a:t>QR </a:t>
+            </a:r>
+            <a:r>
+              <a:rPr lang="cs-CZ" dirty="0" err="1"/>
+              <a:t>code</a:t>
+            </a:r>
+            <a:endParaRPr lang="cs-CZ" dirty="0"/>
+          </a:p>
+        </p:txBody>
+      </p:sp>
+      <p:cxnSp>
+        <p:nvCxnSpPr>
+          <p:cNvPr id="26" name="Přímá spojnice se šipkou 25">
+            <a:extLst>
+              <a:ext uri="{FF2B5EF4-FFF2-40B4-BE49-F238E27FC236}">
+                <a16:creationId xmlns:a16="http://schemas.microsoft.com/office/drawing/2014/main" id="{BB52422E-AA0C-4E5C-9D7B-7B3E2D8E0D4D}"/>
+              </a:ext>
+            </a:extLst>
+          </p:cNvPr>
+          <p:cNvCxnSpPr/>
+          <p:nvPr/>
+        </p:nvCxnSpPr>
+        <p:spPr>
+          <a:xfrm flipH="1">
+            <a:off x="5521296" y="5058299"/>
+            <a:ext cx="808893" cy="0"/>
+          </a:xfrm>
+          <a:prstGeom prst="straightConnector1">
+            <a:avLst/>
+          </a:prstGeom>
+          <a:ln>
+            <a:tailEnd type="triangle"/>
+          </a:ln>
+        </p:spPr>
+        <p:style>
+          <a:lnRef idx="1">
+            <a:schemeClr val="accent1"/>
+          </a:lnRef>
+          <a:fillRef idx="0">
+            <a:schemeClr val="accent1"/>
+          </a:fillRef>
+          <a:effectRef idx="0">
+            <a:schemeClr val="accent1"/>
+          </a:effectRef>
+          <a:fontRef idx="minor">
+            <a:schemeClr val="tx1"/>
+          </a:fontRef>
+        </p:style>
+      </p:cxnSp>
+      <p:sp>
+        <p:nvSpPr>
+          <p:cNvPr id="27" name="Obdélník: se zakulacenými rohy 26">
+            <a:extLst>
+              <a:ext uri="{FF2B5EF4-FFF2-40B4-BE49-F238E27FC236}">
+                <a16:creationId xmlns:a16="http://schemas.microsoft.com/office/drawing/2014/main" id="{5C1288F9-48EF-4E59-8F92-777C2765D92C}"/>
+              </a:ext>
+            </a:extLst>
+          </p:cNvPr>
+          <p:cNvSpPr/>
+          <p:nvPr/>
+        </p:nvSpPr>
+        <p:spPr>
+          <a:xfrm>
+            <a:off x="5514948" y="6062329"/>
+            <a:ext cx="619492" cy="619492"/>
+          </a:xfrm>
+          <a:prstGeom prst="roundRect">
+            <a:avLst>
+              <a:gd name="adj" fmla="val 18716"/>
+            </a:avLst>
+          </a:prstGeom>
+        </p:spPr>
+        <p:style>
+          <a:lnRef idx="2">
+            <a:schemeClr val="accent1">
+              <a:shade val="50000"/>
+            </a:schemeClr>
+          </a:lnRef>
+          <a:fillRef idx="1">
+            <a:schemeClr val="accent1"/>
+          </a:fillRef>
+          <a:effectRef idx="0">
+            <a:schemeClr val="accent1"/>
+          </a:effectRef>
+          <a:fontRef idx="minor">
+            <a:schemeClr val="lt1"/>
+          </a:fontRef>
+        </p:style>
+        <p:txBody>
+          <a:bodyPr rtlCol="0" anchor="ctr"/>
+          <a:lstStyle/>
+          <a:p>
+            <a:pPr algn="ctr"/>
+            <a:endParaRPr lang="cs-CZ"/>
+          </a:p>
+        </p:txBody>
+      </p:sp>
+      <p:sp>
+        <p:nvSpPr>
+          <p:cNvPr id="28" name="Ovál 27">
+            <a:extLst>
+              <a:ext uri="{FF2B5EF4-FFF2-40B4-BE49-F238E27FC236}">
+                <a16:creationId xmlns:a16="http://schemas.microsoft.com/office/drawing/2014/main" id="{A185ED0B-002E-404E-A0D8-E2582973A0DA}"/>
+              </a:ext>
+            </a:extLst>
+          </p:cNvPr>
+          <p:cNvSpPr/>
+          <p:nvPr/>
+        </p:nvSpPr>
+        <p:spPr>
+          <a:xfrm>
+            <a:off x="5653976" y="6155689"/>
+            <a:ext cx="342846" cy="342846"/>
+          </a:xfrm>
+          <a:prstGeom prst="ellipse">
+            <a:avLst/>
+          </a:prstGeom>
+          <a:solidFill>
+            <a:srgbClr val="C00000"/>
+          </a:solidFill>
+        </p:spPr>
+        <p:style>
+          <a:lnRef idx="2">
+            <a:schemeClr val="accent1">
+              <a:shade val="50000"/>
+            </a:schemeClr>
+          </a:lnRef>
+          <a:fillRef idx="1">
+            <a:schemeClr val="accent1"/>
+          </a:fillRef>
+          <a:effectRef idx="0">
+            <a:schemeClr val="accent1"/>
+          </a:effectRef>
+          <a:fontRef idx="minor">
+            <a:schemeClr val="lt1"/>
+          </a:fontRef>
+        </p:style>
+        <p:txBody>
+          <a:bodyPr rtlCol="0" anchor="ctr"/>
+          <a:lstStyle/>
+          <a:p>
+            <a:pPr algn="ctr"/>
+            <a:endParaRPr lang="cs-CZ"/>
+          </a:p>
+        </p:txBody>
+      </p:sp>
+      <p:cxnSp>
+        <p:nvCxnSpPr>
+          <p:cNvPr id="29" name="Přímá spojnice se šipkou 28">
+            <a:extLst>
+              <a:ext uri="{FF2B5EF4-FFF2-40B4-BE49-F238E27FC236}">
+                <a16:creationId xmlns:a16="http://schemas.microsoft.com/office/drawing/2014/main" id="{EB1AA253-383F-48B0-BAAE-F4E01C41ABB6}"/>
+              </a:ext>
+            </a:extLst>
+          </p:cNvPr>
+          <p:cNvCxnSpPr>
+            <a:cxnSpLocks/>
+            <a:endCxn id="28" idx="0"/>
+          </p:cNvCxnSpPr>
+          <p:nvPr/>
+        </p:nvCxnSpPr>
+        <p:spPr>
+          <a:xfrm>
+            <a:off x="5825399" y="5351586"/>
+            <a:ext cx="0" cy="804103"/>
+          </a:xfrm>
+          <a:prstGeom prst="straightConnector1">
+            <a:avLst/>
+          </a:prstGeom>
+          <a:ln>
+            <a:tailEnd type="triangle"/>
+          </a:ln>
+        </p:spPr>
+        <p:style>
+          <a:lnRef idx="1">
+            <a:schemeClr val="dk1"/>
+          </a:lnRef>
+          <a:fillRef idx="0">
+            <a:schemeClr val="dk1"/>
+          </a:fillRef>
+          <a:effectRef idx="0">
+            <a:schemeClr val="dk1"/>
+          </a:effectRef>
+          <a:fontRef idx="minor">
+            <a:schemeClr val="tx1"/>
+          </a:fontRef>
+        </p:style>
+      </p:cxnSp>
+      <p:sp>
+        <p:nvSpPr>
+          <p:cNvPr id="37" name="Šipka: doprava 36">
+            <a:extLst>
+              <a:ext uri="{FF2B5EF4-FFF2-40B4-BE49-F238E27FC236}">
+                <a16:creationId xmlns:a16="http://schemas.microsoft.com/office/drawing/2014/main" id="{746ED20E-C023-47B5-B8B1-69D9E90C3F23}"/>
+              </a:ext>
+            </a:extLst>
+          </p:cNvPr>
+          <p:cNvSpPr/>
+          <p:nvPr/>
+        </p:nvSpPr>
+        <p:spPr>
+          <a:xfrm>
+            <a:off x="7795846" y="4753787"/>
+            <a:ext cx="1805354" cy="510085"/>
+          </a:xfrm>
+          <a:prstGeom prst="rightArrow">
+            <a:avLst/>
+          </a:prstGeom>
+        </p:spPr>
+        <p:style>
+          <a:lnRef idx="2">
+            <a:schemeClr val="accent1">
+              <a:shade val="50000"/>
+            </a:schemeClr>
+          </a:lnRef>
+          <a:fillRef idx="1">
+            <a:schemeClr val="accent1"/>
+          </a:fillRef>
+          <a:effectRef idx="0">
+            <a:schemeClr val="accent1"/>
+          </a:effectRef>
+          <a:fontRef idx="minor">
+            <a:schemeClr val="lt1"/>
+          </a:fontRef>
+        </p:style>
+        <p:txBody>
+          <a:bodyPr rtlCol="0" anchor="ctr"/>
+          <a:lstStyle/>
+          <a:p>
+            <a:pPr algn="ctr"/>
+            <a:endParaRPr lang="cs-CZ"/>
+          </a:p>
+        </p:txBody>
+      </p:sp>
+      <p:sp>
+        <p:nvSpPr>
+          <p:cNvPr id="40" name="Šipka: dolů 39">
+            <a:extLst>
+              <a:ext uri="{FF2B5EF4-FFF2-40B4-BE49-F238E27FC236}">
+                <a16:creationId xmlns:a16="http://schemas.microsoft.com/office/drawing/2014/main" id="{DEA8F4BD-C8F8-43E3-A491-8F304BAE8FA3}"/>
+              </a:ext>
+            </a:extLst>
+          </p:cNvPr>
+          <p:cNvSpPr/>
+          <p:nvPr/>
+        </p:nvSpPr>
+        <p:spPr>
+          <a:xfrm>
+            <a:off x="1489103" y="1641674"/>
+            <a:ext cx="445477" cy="380148"/>
+          </a:xfrm>
+          <a:prstGeom prst="downArrow">
+            <a:avLst/>
+          </a:prstGeom>
+        </p:spPr>
+        <p:style>
+          <a:lnRef idx="2">
+            <a:schemeClr val="accent1">
+              <a:shade val="50000"/>
+            </a:schemeClr>
+          </a:lnRef>
+          <a:fillRef idx="1">
+            <a:schemeClr val="accent1"/>
+          </a:fillRef>
+          <a:effectRef idx="0">
+            <a:schemeClr val="accent1"/>
+          </a:effectRef>
+          <a:fontRef idx="minor">
+            <a:schemeClr val="lt1"/>
+          </a:fontRef>
+        </p:style>
+        <p:txBody>
+          <a:bodyPr rtlCol="0" anchor="ctr"/>
+          <a:lstStyle/>
+          <a:p>
+            <a:pPr algn="ctr"/>
+            <a:endParaRPr lang="cs-CZ"/>
+          </a:p>
+        </p:txBody>
+      </p:sp>
+      <p:sp>
+        <p:nvSpPr>
+          <p:cNvPr id="41" name="Šipka: dolů 40">
+            <a:extLst>
+              <a:ext uri="{FF2B5EF4-FFF2-40B4-BE49-F238E27FC236}">
+                <a16:creationId xmlns:a16="http://schemas.microsoft.com/office/drawing/2014/main" id="{D3AD6B54-9382-4A89-B7B9-2CFD7902599C}"/>
+              </a:ext>
+            </a:extLst>
+          </p:cNvPr>
+          <p:cNvSpPr/>
+          <p:nvPr/>
+        </p:nvSpPr>
+        <p:spPr>
+          <a:xfrm>
+            <a:off x="3232843" y="1656941"/>
+            <a:ext cx="445477" cy="380148"/>
+          </a:xfrm>
+          <a:prstGeom prst="downArrow">
+            <a:avLst/>
+          </a:prstGeom>
+        </p:spPr>
+        <p:style>
+          <a:lnRef idx="2">
+            <a:schemeClr val="accent1">
+              <a:shade val="50000"/>
+            </a:schemeClr>
+          </a:lnRef>
+          <a:fillRef idx="1">
+            <a:schemeClr val="accent1"/>
+          </a:fillRef>
+          <a:effectRef idx="0">
+            <a:schemeClr val="accent1"/>
+          </a:effectRef>
+          <a:fontRef idx="minor">
+            <a:schemeClr val="lt1"/>
+          </a:fontRef>
+        </p:style>
+        <p:txBody>
+          <a:bodyPr rtlCol="0" anchor="ctr"/>
+          <a:lstStyle/>
+          <a:p>
+            <a:pPr algn="ctr"/>
+            <a:endParaRPr lang="cs-CZ"/>
+          </a:p>
+        </p:txBody>
+      </p:sp>
+      <p:sp>
+        <p:nvSpPr>
+          <p:cNvPr id="42" name="Šipka: dolů 41">
+            <a:extLst>
+              <a:ext uri="{FF2B5EF4-FFF2-40B4-BE49-F238E27FC236}">
+                <a16:creationId xmlns:a16="http://schemas.microsoft.com/office/drawing/2014/main" id="{E937491E-4799-4E44-BEF8-68A9E0E0576A}"/>
+              </a:ext>
+            </a:extLst>
+          </p:cNvPr>
+          <p:cNvSpPr/>
+          <p:nvPr/>
+        </p:nvSpPr>
+        <p:spPr>
+          <a:xfrm>
+            <a:off x="5578549" y="1656941"/>
+            <a:ext cx="445477" cy="380148"/>
+          </a:xfrm>
+          <a:prstGeom prst="downArrow">
+            <a:avLst/>
+          </a:prstGeom>
+        </p:spPr>
+        <p:style>
+          <a:lnRef idx="2">
+            <a:schemeClr val="accent1">
+              <a:shade val="50000"/>
+            </a:schemeClr>
+          </a:lnRef>
+          <a:fillRef idx="1">
+            <a:schemeClr val="accent1"/>
+          </a:fillRef>
+          <a:effectRef idx="0">
+            <a:schemeClr val="accent1"/>
+          </a:effectRef>
+          <a:fontRef idx="minor">
+            <a:schemeClr val="lt1"/>
+          </a:fontRef>
+        </p:style>
+        <p:txBody>
+          <a:bodyPr rtlCol="0" anchor="ctr"/>
+          <a:lstStyle/>
+          <a:p>
+            <a:pPr algn="ctr"/>
+            <a:endParaRPr lang="cs-CZ"/>
+          </a:p>
+        </p:txBody>
+      </p:sp>
+      <p:sp>
+        <p:nvSpPr>
+          <p:cNvPr id="43" name="Obdélník 42">
+            <a:extLst>
+              <a:ext uri="{FF2B5EF4-FFF2-40B4-BE49-F238E27FC236}">
+                <a16:creationId xmlns:a16="http://schemas.microsoft.com/office/drawing/2014/main" id="{5A98AAB7-BF5B-4F4C-86AF-6F64540A9722}"/>
+              </a:ext>
+            </a:extLst>
+          </p:cNvPr>
+          <p:cNvSpPr/>
+          <p:nvPr/>
+        </p:nvSpPr>
+        <p:spPr>
+          <a:xfrm>
+            <a:off x="1207477" y="2037089"/>
+            <a:ext cx="6928338" cy="190296"/>
+          </a:xfrm>
+          <a:prstGeom prst="rect">
+            <a:avLst/>
+          </a:prstGeom>
+        </p:spPr>
+        <p:style>
+          <a:lnRef idx="2">
+            <a:schemeClr val="accent1">
+              <a:shade val="50000"/>
+            </a:schemeClr>
+          </a:lnRef>
+          <a:fillRef idx="1">
+            <a:schemeClr val="accent1"/>
+          </a:fillRef>
+          <a:effectRef idx="0">
+            <a:schemeClr val="accent1"/>
+          </a:effectRef>
+          <a:fontRef idx="minor">
+            <a:schemeClr val="lt1"/>
+          </a:fontRef>
+        </p:style>
+        <p:txBody>
+          <a:bodyPr rtlCol="0" anchor="ctr"/>
+          <a:lstStyle/>
+          <a:p>
+            <a:pPr algn="ctr"/>
+            <a:endParaRPr lang="cs-CZ"/>
+          </a:p>
+        </p:txBody>
+      </p:sp>
+      <p:sp>
+        <p:nvSpPr>
+          <p:cNvPr id="39" name="Šipka: dolů 38">
+            <a:extLst>
+              <a:ext uri="{FF2B5EF4-FFF2-40B4-BE49-F238E27FC236}">
+                <a16:creationId xmlns:a16="http://schemas.microsoft.com/office/drawing/2014/main" id="{70FE9C92-AC48-4776-A0BD-CCE67BA188BD}"/>
+              </a:ext>
+            </a:extLst>
+          </p:cNvPr>
+          <p:cNvSpPr/>
+          <p:nvPr/>
+        </p:nvSpPr>
+        <p:spPr>
+          <a:xfrm flipV="1">
+            <a:off x="7674253" y="1612775"/>
+            <a:ext cx="622686" cy="614610"/>
+          </a:xfrm>
+          <a:prstGeom prst="downArrow">
+            <a:avLst/>
+          </a:prstGeom>
+        </p:spPr>
+        <p:style>
+          <a:lnRef idx="2">
+            <a:schemeClr val="accent1">
+              <a:shade val="50000"/>
+            </a:schemeClr>
+          </a:lnRef>
+          <a:fillRef idx="1">
+            <a:schemeClr val="accent1"/>
+          </a:fillRef>
+          <a:effectRef idx="0">
+            <a:schemeClr val="accent1"/>
+          </a:effectRef>
+          <a:fontRef idx="minor">
+            <a:schemeClr val="lt1"/>
+          </a:fontRef>
+        </p:style>
+        <p:txBody>
+          <a:bodyPr rtlCol="0" anchor="ctr"/>
+          <a:lstStyle/>
+          <a:p>
+            <a:pPr algn="ctr"/>
+            <a:endParaRPr lang="cs-CZ"/>
+          </a:p>
+        </p:txBody>
+      </p:sp>
+      <p:sp>
+        <p:nvSpPr>
+          <p:cNvPr id="44" name="Šipka: doprava 43">
+            <a:extLst>
+              <a:ext uri="{FF2B5EF4-FFF2-40B4-BE49-F238E27FC236}">
+                <a16:creationId xmlns:a16="http://schemas.microsoft.com/office/drawing/2014/main" id="{5A9855B2-8508-4126-9EED-EF07A4ACC701}"/>
+              </a:ext>
+            </a:extLst>
+          </p:cNvPr>
+          <p:cNvSpPr/>
+          <p:nvPr/>
+        </p:nvSpPr>
+        <p:spPr>
+          <a:xfrm>
+            <a:off x="9239420" y="826342"/>
+            <a:ext cx="467831" cy="510085"/>
+          </a:xfrm>
+          <a:prstGeom prst="rightArrow">
+            <a:avLst/>
+          </a:prstGeom>
+        </p:spPr>
+        <p:style>
+          <a:lnRef idx="2">
+            <a:schemeClr val="accent1">
+              <a:shade val="50000"/>
+            </a:schemeClr>
+          </a:lnRef>
+          <a:fillRef idx="1">
+            <a:schemeClr val="accent1"/>
+          </a:fillRef>
+          <a:effectRef idx="0">
+            <a:schemeClr val="accent1"/>
+          </a:effectRef>
+          <a:fontRef idx="minor">
+            <a:schemeClr val="lt1"/>
+          </a:fontRef>
+        </p:style>
+        <p:txBody>
+          <a:bodyPr rtlCol="0" anchor="ctr"/>
+          <a:lstStyle/>
+          <a:p>
+            <a:pPr algn="ctr"/>
+            <a:endParaRPr lang="cs-CZ"/>
+          </a:p>
+        </p:txBody>
+      </p:sp>
+      <p:sp>
+        <p:nvSpPr>
+          <p:cNvPr id="45" name="TextovéPole 44">
+            <a:extLst>
+              <a:ext uri="{FF2B5EF4-FFF2-40B4-BE49-F238E27FC236}">
+                <a16:creationId xmlns:a16="http://schemas.microsoft.com/office/drawing/2014/main" id="{ACF726DA-CFB4-414D-A61D-0A74E72E84A6}"/>
+              </a:ext>
+            </a:extLst>
+          </p:cNvPr>
+          <p:cNvSpPr txBox="1"/>
+          <p:nvPr/>
+        </p:nvSpPr>
+        <p:spPr>
+          <a:xfrm>
+            <a:off x="6659933" y="1690640"/>
+            <a:ext cx="914673" cy="369332"/>
+          </a:xfrm>
+          <a:prstGeom prst="rect">
+            <a:avLst/>
+          </a:prstGeom>
+          <a:noFill/>
+        </p:spPr>
+        <p:txBody>
+          <a:bodyPr wrap="square" rtlCol="0">
+            <a:spAutoFit/>
+          </a:bodyPr>
+          <a:lstStyle/>
+          <a:p>
+            <a:r>
+              <a:rPr lang="cs-CZ" dirty="0"/>
+              <a:t>Https</a:t>
+            </a:r>
+          </a:p>
+        </p:txBody>
+      </p:sp>
+    </p:spTree>
+    <p:extLst>
+      <p:ext uri="{BB962C8B-B14F-4D97-AF65-F5344CB8AC3E}">
+        <p14:creationId xmlns:p14="http://schemas.microsoft.com/office/powerpoint/2010/main" val="1966456134"/>
+      </p:ext>
+    </p:extLst>
+  </p:cSld>
+  <p:clrMapOvr>
+    <a:masterClrMapping/>
+  </p:clrMapOvr>
+</p:sld>
+</file>
+
+<file path=ppt/slides/slide7.xml><?xml version="1.0" encoding="utf-8"?>
+<p:sld xmlns:a="http://schemas.openxmlformats.org/drawingml/2006/main" xmlns:r="http://schemas.openxmlformats.org/officeDocument/2006/relationships" xmlns:p="http://schemas.openxmlformats.org/presentationml/2006/main">
+  <p:cSld>
+    <p:spTree>
+      <p:nvGrpSpPr>
+        <p:cNvPr id="1" name=""/>
+        <p:cNvGrpSpPr/>
+        <p:nvPr/>
+      </p:nvGrpSpPr>
+      <p:grpSpPr>
+        <a:xfrm>
+          <a:off x="0" y="0"/>
+          <a:ext cx="0" cy="0"/>
+          <a:chOff x="0" y="0"/>
+          <a:chExt cx="0" cy="0"/>
+        </a:xfrm>
+      </p:grpSpPr>
+      <p:sp>
+        <p:nvSpPr>
           <p:cNvPr id="2" name="Nadpis 1">
             <a:extLst>
               <a:ext uri="{FF2B5EF4-FFF2-40B4-BE49-F238E27FC236}">
@@ -4385,7 +6271,7 @@
 </p:sld>
 </file>
 
-<file path=ppt/slides/slide7.xml><?xml version="1.0" encoding="utf-8"?>
+<file path=ppt/slides/slide8.xml><?xml version="1.0" encoding="utf-8"?>
 <p:sld xmlns:a="http://schemas.openxmlformats.org/drawingml/2006/main" xmlns:r="http://schemas.openxmlformats.org/officeDocument/2006/relationships" xmlns:p="http://schemas.openxmlformats.org/presentationml/2006/main">
   <p:cSld>
     <p:spTree>
@@ -4575,110 +6461,6 @@
 </p:sld>
 </file>
 
-<file path=ppt/slides/slide8.xml><?xml version="1.0" encoding="utf-8"?>
-<p:sld xmlns:a="http://schemas.openxmlformats.org/drawingml/2006/main" xmlns:r="http://schemas.openxmlformats.org/officeDocument/2006/relationships" xmlns:p="http://schemas.openxmlformats.org/presentationml/2006/main">
-  <p:cSld>
-    <p:spTree>
-      <p:nvGrpSpPr>
-        <p:cNvPr id="1" name=""/>
-        <p:cNvGrpSpPr/>
-        <p:nvPr/>
-      </p:nvGrpSpPr>
-      <p:grpSpPr>
-        <a:xfrm>
-          <a:off x="0" y="0"/>
-          <a:ext cx="0" cy="0"/>
-          <a:chOff x="0" y="0"/>
-          <a:chExt cx="0" cy="0"/>
-        </a:xfrm>
-      </p:grpSpPr>
-      <p:sp>
-        <p:nvSpPr>
-          <p:cNvPr id="2" name="Nadpis 1">
-            <a:extLst>
-              <a:ext uri="{FF2B5EF4-FFF2-40B4-BE49-F238E27FC236}">
-                <a16:creationId xmlns:a16="http://schemas.microsoft.com/office/drawing/2014/main" id="{839DFA00-5F7D-4680-B542-83E04D838E94}"/>
-              </a:ext>
-            </a:extLst>
-          </p:cNvPr>
-          <p:cNvSpPr>
-            <a:spLocks noGrp="1"/>
-          </p:cNvSpPr>
-          <p:nvPr>
-            <p:ph type="title"/>
-          </p:nvPr>
-        </p:nvSpPr>
-        <p:spPr/>
-        <p:txBody>
-          <a:bodyPr/>
-          <a:lstStyle/>
-          <a:p>
-            <a:r>
-              <a:rPr lang="cs-CZ" dirty="0"/>
-              <a:t>Postup</a:t>
-            </a:r>
-          </a:p>
-        </p:txBody>
-      </p:sp>
-      <p:sp>
-        <p:nvSpPr>
-          <p:cNvPr id="3" name="Zástupný symbol pro obsah 2">
-            <a:extLst>
-              <a:ext uri="{FF2B5EF4-FFF2-40B4-BE49-F238E27FC236}">
-                <a16:creationId xmlns:a16="http://schemas.microsoft.com/office/drawing/2014/main" id="{350EB1B3-5258-46E3-BA38-8AA94C2F14C4}"/>
-              </a:ext>
-            </a:extLst>
-          </p:cNvPr>
-          <p:cNvSpPr>
-            <a:spLocks noGrp="1"/>
-          </p:cNvSpPr>
-          <p:nvPr>
-            <p:ph idx="1"/>
-          </p:nvPr>
-        </p:nvSpPr>
-        <p:spPr/>
-        <p:txBody>
-          <a:bodyPr/>
-          <a:lstStyle/>
-          <a:p>
-            <a:r>
-              <a:rPr lang="cs-CZ" dirty="0"/>
-              <a:t>Návštěvník přijede autem k bráně</a:t>
-            </a:r>
-          </a:p>
-          <a:p>
-            <a:r>
-              <a:rPr lang="cs-CZ" dirty="0"/>
-              <a:t>Stiskne tlačítko pro parkovací lístek</a:t>
-            </a:r>
-          </a:p>
-          <a:p>
-            <a:r>
-              <a:rPr lang="cs-CZ" dirty="0"/>
-              <a:t>Na display se zobrazí QR-kód s GPS souřadnicemi volného parkovacího místa</a:t>
-            </a:r>
-          </a:p>
-          <a:p>
-            <a:r>
-              <a:rPr lang="cs-CZ" dirty="0"/>
-              <a:t>Návštěvník sejme QR-kód mobilním telefonem a ten spustí navigaci na volné parkovací místo</a:t>
-            </a:r>
-          </a:p>
-        </p:txBody>
-      </p:sp>
-    </p:spTree>
-    <p:extLst>
-      <p:ext uri="{BB962C8B-B14F-4D97-AF65-F5344CB8AC3E}">
-        <p14:creationId xmlns:p14="http://schemas.microsoft.com/office/powerpoint/2010/main" val="3937570610"/>
-      </p:ext>
-    </p:extLst>
-  </p:cSld>
-  <p:clrMapOvr>
-    <a:masterClrMapping/>
-  </p:clrMapOvr>
-</p:sld>
-</file>
-
 <file path=ppt/slides/slide9.xml><?xml version="1.0" encoding="utf-8"?>
 <p:sld xmlns:a="http://schemas.openxmlformats.org/drawingml/2006/main" xmlns:r="http://schemas.openxmlformats.org/officeDocument/2006/relationships" xmlns:p="http://schemas.openxmlformats.org/presentationml/2006/main">
   <p:cSld>
@@ -4701,7 +6483,7 @@
           <p:cNvPr id="2" name="Nadpis 1">
             <a:extLst>
               <a:ext uri="{FF2B5EF4-FFF2-40B4-BE49-F238E27FC236}">
-                <a16:creationId xmlns:a16="http://schemas.microsoft.com/office/drawing/2014/main" id="{A932D6CF-95AA-4D06-9D8F-775D1CEDFCD1}"/>
+                <a16:creationId xmlns:a16="http://schemas.microsoft.com/office/drawing/2014/main" id="{839DFA00-5F7D-4680-B542-83E04D838E94}"/>
               </a:ext>
             </a:extLst>
           </p:cNvPr>
@@ -4719,7 +6501,36 @@
           <a:p>
             <a:r>
               <a:rPr lang="cs-CZ" dirty="0" err="1"/>
-              <a:t>Future</a:t>
+              <a:t>Scenario</a:t>
+            </a:r>
+            <a:endParaRPr lang="cs-CZ" dirty="0"/>
+          </a:p>
+        </p:txBody>
+      </p:sp>
+      <p:sp>
+        <p:nvSpPr>
+          <p:cNvPr id="3" name="Zástupný symbol pro obsah 2">
+            <a:extLst>
+              <a:ext uri="{FF2B5EF4-FFF2-40B4-BE49-F238E27FC236}">
+                <a16:creationId xmlns:a16="http://schemas.microsoft.com/office/drawing/2014/main" id="{350EB1B3-5258-46E3-BA38-8AA94C2F14C4}"/>
+              </a:ext>
+            </a:extLst>
+          </p:cNvPr>
+          <p:cNvSpPr>
+            <a:spLocks noGrp="1"/>
+          </p:cNvSpPr>
+          <p:nvPr>
+            <p:ph idx="1"/>
+          </p:nvPr>
+        </p:nvSpPr>
+        <p:spPr/>
+        <p:txBody>
+          <a:bodyPr/>
+          <a:lstStyle/>
+          <a:p>
+            <a:r>
+              <a:rPr lang="cs-CZ" dirty="0" err="1"/>
+              <a:t>Visitor</a:t>
             </a:r>
             <a:r>
               <a:rPr lang="cs-CZ" dirty="0"/>
@@ -4727,36 +6538,15 @@
             </a:r>
             <a:r>
               <a:rPr lang="cs-CZ" dirty="0" err="1"/>
-              <a:t>features</a:t>
-            </a:r>
-            <a:endParaRPr lang="cs-CZ" dirty="0"/>
-          </a:p>
-        </p:txBody>
-      </p:sp>
-      <p:sp>
-        <p:nvSpPr>
-          <p:cNvPr id="3" name="Zástupný symbol pro obsah 2">
-            <a:extLst>
-              <a:ext uri="{FF2B5EF4-FFF2-40B4-BE49-F238E27FC236}">
-                <a16:creationId xmlns:a16="http://schemas.microsoft.com/office/drawing/2014/main" id="{4FB938AB-7585-42F2-AD4F-52AC35CEA07A}"/>
-              </a:ext>
-            </a:extLst>
-          </p:cNvPr>
-          <p:cNvSpPr>
-            <a:spLocks noGrp="1"/>
-          </p:cNvSpPr>
-          <p:nvPr>
-            <p:ph idx="1"/>
-          </p:nvPr>
-        </p:nvSpPr>
-        <p:spPr/>
-        <p:txBody>
-          <a:bodyPr/>
-          <a:lstStyle/>
-          <a:p>
-            <a:r>
-              <a:rPr lang="cs-CZ" dirty="0" err="1"/>
-              <a:t>Wireless</a:t>
+              <a:t>comes</a:t>
+            </a:r>
+            <a:r>
+              <a:rPr lang="cs-CZ" dirty="0"/>
+              <a:t> by car </a:t>
+            </a:r>
+            <a:r>
+              <a:rPr lang="cs-CZ" dirty="0" err="1"/>
+              <a:t>infront</a:t>
             </a:r>
             <a:r>
               <a:rPr lang="cs-CZ" dirty="0"/>
@@ -4764,7 +6554,7 @@
             </a:r>
             <a:r>
               <a:rPr lang="cs-CZ" dirty="0" err="1"/>
-              <a:t>communication</a:t>
+              <a:t>the</a:t>
             </a:r>
             <a:r>
               <a:rPr lang="cs-CZ" dirty="0"/>
@@ -4772,17 +6562,25 @@
             </a:r>
             <a:r>
               <a:rPr lang="cs-CZ" dirty="0" err="1"/>
-              <a:t>through</a:t>
-            </a:r>
-            <a:r>
-              <a:rPr lang="cs-CZ" dirty="0"/>
-              <a:t> IQRF</a:t>
-            </a:r>
-          </a:p>
-          <a:p>
-            <a:r>
-              <a:rPr lang="cs-CZ" dirty="0" err="1"/>
-              <a:t>Communication</a:t>
+              <a:t>gate</a:t>
+            </a:r>
+            <a:r>
+              <a:rPr lang="cs-CZ" dirty="0"/>
+              <a:t> to parking place </a:t>
+            </a:r>
+            <a:r>
+              <a:rPr lang="cs-CZ" dirty="0" err="1"/>
+              <a:t>with</a:t>
+            </a:r>
+            <a:r>
+              <a:rPr lang="cs-CZ" dirty="0"/>
+              <a:t> barier</a:t>
+            </a:r>
+          </a:p>
+          <a:p>
+            <a:r>
+              <a:rPr lang="cs-CZ" dirty="0" err="1"/>
+              <a:t>Press</a:t>
             </a:r>
             <a:r>
               <a:rPr lang="cs-CZ" dirty="0"/>
@@ -4790,15 +6588,7 @@
             </a:r>
             <a:r>
               <a:rPr lang="cs-CZ" dirty="0" err="1"/>
-              <a:t>with</a:t>
-            </a:r>
-            <a:r>
-              <a:rPr lang="cs-CZ" dirty="0"/>
-              <a:t> cell </a:t>
-            </a:r>
-            <a:r>
-              <a:rPr lang="cs-CZ" dirty="0" err="1"/>
-              <a:t>prone</a:t>
+              <a:t>button</a:t>
             </a:r>
             <a:r>
               <a:rPr lang="cs-CZ" dirty="0"/>
@@ -4806,17 +6596,7 @@
             </a:r>
             <a:r>
               <a:rPr lang="cs-CZ" dirty="0" err="1"/>
-              <a:t>through</a:t>
-            </a:r>
-            <a:r>
-              <a:rPr lang="cs-CZ" dirty="0"/>
-              <a:t> NFC</a:t>
-            </a:r>
-          </a:p>
-          <a:p>
-            <a:r>
-              <a:rPr lang="cs-CZ" dirty="0" err="1"/>
-              <a:t>Pay</a:t>
+              <a:t>for</a:t>
             </a:r>
             <a:r>
               <a:rPr lang="cs-CZ" dirty="0"/>
@@ -4824,71 +6604,139 @@
             </a:r>
             <a:r>
               <a:rPr lang="cs-CZ" dirty="0" err="1"/>
-              <a:t>for</a:t>
-            </a:r>
-            <a:r>
-              <a:rPr lang="cs-CZ" dirty="0"/>
-              <a:t> parking by cell </a:t>
+              <a:t>porking</a:t>
+            </a:r>
+            <a:r>
+              <a:rPr lang="cs-CZ" dirty="0"/>
+              <a:t> ticket</a:t>
+            </a:r>
+          </a:p>
+          <a:p>
+            <a:r>
+              <a:rPr lang="cs-CZ" dirty="0"/>
+              <a:t>QR-</a:t>
+            </a:r>
+            <a:r>
+              <a:rPr lang="cs-CZ" dirty="0" err="1"/>
+              <a:t>code</a:t>
+            </a:r>
+            <a:r>
+              <a:rPr lang="cs-CZ" dirty="0"/>
+              <a:t> </a:t>
+            </a:r>
+            <a:r>
+              <a:rPr lang="cs-CZ" dirty="0" err="1"/>
+              <a:t>is</a:t>
+            </a:r>
+            <a:r>
+              <a:rPr lang="cs-CZ" dirty="0"/>
+              <a:t> </a:t>
+            </a:r>
+            <a:r>
+              <a:rPr lang="cs-CZ" dirty="0" err="1"/>
+              <a:t>shows</a:t>
+            </a:r>
+            <a:r>
+              <a:rPr lang="cs-CZ" dirty="0"/>
+              <a:t> on display. </a:t>
+            </a:r>
+            <a:r>
+              <a:rPr lang="cs-CZ" dirty="0" err="1"/>
+              <a:t>Code</a:t>
+            </a:r>
+            <a:r>
+              <a:rPr lang="cs-CZ" dirty="0"/>
+              <a:t> </a:t>
+            </a:r>
+            <a:r>
+              <a:rPr lang="cs-CZ" dirty="0" err="1"/>
+              <a:t>contains</a:t>
+            </a:r>
+            <a:r>
+              <a:rPr lang="cs-CZ" dirty="0"/>
+              <a:t> GPS </a:t>
+            </a:r>
+            <a:r>
+              <a:rPr lang="cs-CZ" dirty="0" err="1"/>
+              <a:t>coordinates</a:t>
+            </a:r>
+            <a:r>
+              <a:rPr lang="cs-CZ" dirty="0"/>
+              <a:t> to </a:t>
+            </a:r>
+            <a:r>
+              <a:rPr lang="cs-CZ" dirty="0" err="1"/>
+              <a:t>empty</a:t>
+            </a:r>
+            <a:r>
+              <a:rPr lang="cs-CZ" dirty="0"/>
+              <a:t> parking place</a:t>
+            </a:r>
+          </a:p>
+          <a:p>
+            <a:r>
+              <a:rPr lang="cs-CZ" dirty="0" err="1"/>
+              <a:t>Visitor</a:t>
+            </a:r>
+            <a:r>
+              <a:rPr lang="cs-CZ" dirty="0"/>
+              <a:t> </a:t>
+            </a:r>
+            <a:r>
+              <a:rPr lang="cs-CZ" dirty="0" err="1"/>
+              <a:t>scanes</a:t>
+            </a:r>
+            <a:r>
+              <a:rPr lang="cs-CZ" dirty="0"/>
+              <a:t> </a:t>
+            </a:r>
+            <a:r>
+              <a:rPr lang="cs-CZ" dirty="0" err="1"/>
+              <a:t>the</a:t>
+            </a:r>
+            <a:r>
+              <a:rPr lang="cs-CZ" dirty="0"/>
+              <a:t> QR-</a:t>
+            </a:r>
+            <a:r>
+              <a:rPr lang="cs-CZ" dirty="0" err="1"/>
+              <a:t>code</a:t>
+            </a:r>
+            <a:r>
+              <a:rPr lang="cs-CZ" dirty="0"/>
+              <a:t> by </a:t>
+            </a:r>
+            <a:r>
+              <a:rPr lang="cs-CZ" dirty="0" err="1"/>
+              <a:t>smart</a:t>
+            </a:r>
+            <a:r>
+              <a:rPr lang="cs-CZ" dirty="0"/>
+              <a:t> </a:t>
             </a:r>
             <a:r>
               <a:rPr lang="cs-CZ" dirty="0" err="1"/>
               <a:t>phone</a:t>
             </a:r>
-            <a:endParaRPr lang="cs-CZ" dirty="0"/>
-          </a:p>
-        </p:txBody>
-      </p:sp>
-      <p:pic>
-        <p:nvPicPr>
-          <p:cNvPr id="4" name="Picture 2" descr="Výsledek obrázku pro navigation QR code">
-            <a:extLst>
-              <a:ext uri="{FF2B5EF4-FFF2-40B4-BE49-F238E27FC236}">
-                <a16:creationId xmlns:a16="http://schemas.microsoft.com/office/drawing/2014/main" id="{64CCAF3A-F68C-4812-A0C4-FD9D069B8DC9}"/>
-              </a:ext>
-            </a:extLst>
-          </p:cNvPr>
-          <p:cNvPicPr>
-            <a:picLocks noChangeAspect="1" noChangeArrowheads="1"/>
-          </p:cNvPicPr>
-          <p:nvPr/>
-        </p:nvPicPr>
-        <p:blipFill>
-          <a:blip r:embed="rId2">
-            <a:extLst>
-              <a:ext uri="{28A0092B-C50C-407E-A947-70E740481C1C}">
-                <a14:useLocalDpi xmlns:a14="http://schemas.microsoft.com/office/drawing/2010/main" val="0"/>
-              </a:ext>
-            </a:extLst>
-          </a:blip>
-          <a:srcRect/>
-          <a:stretch>
-            <a:fillRect/>
-          </a:stretch>
-        </p:blipFill>
-        <p:spPr bwMode="auto">
-          <a:xfrm>
-            <a:off x="5180935" y="3453717"/>
-            <a:ext cx="2000250" cy="2286000"/>
-          </a:xfrm>
-          <a:prstGeom prst="rect">
-            <a:avLst/>
-          </a:prstGeom>
-          <a:noFill/>
-          <a:extLst>
-            <a:ext uri="{909E8E84-426E-40DD-AFC4-6F175D3DCCD1}">
-              <a14:hiddenFill xmlns:a14="http://schemas.microsoft.com/office/drawing/2010/main">
-                <a:solidFill>
-                  <a:srgbClr val="FFFFFF"/>
-                </a:solidFill>
-              </a14:hiddenFill>
-            </a:ext>
-          </a:extLst>
-        </p:spPr>
-      </p:pic>
+            <a:r>
+              <a:rPr lang="cs-CZ" dirty="0"/>
+              <a:t>, </a:t>
+            </a:r>
+            <a:r>
+              <a:rPr lang="cs-CZ" dirty="0" err="1"/>
+              <a:t>then</a:t>
+            </a:r>
+            <a:r>
+              <a:rPr lang="cs-CZ" dirty="0"/>
+              <a:t>   a ten spustí navigaci na volné parkovací místo</a:t>
+            </a:r>
+          </a:p>
+        </p:txBody>
+      </p:sp>
     </p:spTree>
     <p:extLst>
       <p:ext uri="{BB962C8B-B14F-4D97-AF65-F5344CB8AC3E}">
-        <p14:creationId xmlns:p14="http://schemas.microsoft.com/office/powerpoint/2010/main" val="1553183669"/>
+        <p14:creationId xmlns:p14="http://schemas.microsoft.com/office/powerpoint/2010/main" val="3937570610"/>
       </p:ext>
     </p:extLst>
   </p:cSld>
